--- a/powerpoint.pptx
+++ b/powerpoint.pptx
@@ -5,10 +5,10 @@
     <p:sldMasterId id="2147483648" r:id="rId4"/>
   </p:sldMasterIdLst>
   <p:notesMasterIdLst>
-    <p:notesMasterId r:id="rId25"/>
+    <p:notesMasterId r:id="rId30"/>
   </p:notesMasterIdLst>
   <p:handoutMasterIdLst>
-    <p:handoutMasterId r:id="rId26"/>
+    <p:handoutMasterId r:id="rId31"/>
   </p:handoutMasterIdLst>
   <p:sldIdLst>
     <p:sldId id="256" r:id="rId5"/>
@@ -28,9 +28,14 @@
     <p:sldId id="291" r:id="rId19"/>
     <p:sldId id="288" r:id="rId20"/>
     <p:sldId id="308" r:id="rId21"/>
-    <p:sldId id="302" r:id="rId22"/>
-    <p:sldId id="293" r:id="rId23"/>
-    <p:sldId id="275" r:id="rId24"/>
+    <p:sldId id="310" r:id="rId22"/>
+    <p:sldId id="312" r:id="rId23"/>
+    <p:sldId id="314" r:id="rId24"/>
+    <p:sldId id="316" r:id="rId25"/>
+    <p:sldId id="315" r:id="rId26"/>
+    <p:sldId id="302" r:id="rId27"/>
+    <p:sldId id="293" r:id="rId28"/>
+    <p:sldId id="275" r:id="rId29"/>
   </p:sldIdLst>
   <p:sldSz cx="12192000" cy="6858000"/>
   <p:notesSz cx="6858000" cy="9144000"/>
@@ -3671,7 +3676,7 @@
         <a:lstStyle/>
         <a:p>
           <a:r>
-            <a:rPr lang="en-US" sz="2600" b="1" dirty="0">
+            <a:rPr lang="en-US" sz="2500" b="1" dirty="0">
               <a:latin typeface="+mj-lt"/>
               <a:ea typeface="Calibri" charset="0"/>
               <a:cs typeface="Calibri" charset="0"/>
@@ -3760,7 +3765,7 @@
         <a:lstStyle/>
         <a:p>
           <a:r>
-            <a:rPr lang="en-US" sz="2600" b="1" dirty="0">
+            <a:rPr lang="en-US" sz="2500" b="1" dirty="0">
               <a:latin typeface="+mj-lt"/>
               <a:ea typeface="Calibri" charset="0"/>
               <a:cs typeface="Calibri" charset="0"/>
@@ -3876,12 +3881,12 @@
         <a:lstStyle/>
         <a:p>
           <a:r>
-            <a:rPr lang="en-US" sz="2600" b="1" dirty="0">
+            <a:rPr lang="en-US" sz="2500" b="1" dirty="0">
               <a:latin typeface="+mj-lt"/>
               <a:ea typeface="Calibri" charset="0"/>
               <a:cs typeface="Calibri" charset="0"/>
             </a:rPr>
-            <a:t>Decision</a:t>
+            <a:t>Conclusion</a:t>
           </a:r>
         </a:p>
       </dgm:t>
@@ -3963,7 +3968,7 @@
         <a:lstStyle/>
         <a:p>
           <a:r>
-            <a:rPr lang="en-US" sz="2600" b="1" dirty="0">
+            <a:rPr lang="en-US" sz="2500" b="1" dirty="0">
               <a:latin typeface="+mj-lt"/>
               <a:ea typeface="Calibri" charset="0"/>
               <a:cs typeface="Calibri" charset="0"/>
@@ -4003,14 +4008,14 @@
         <a:lstStyle/>
         <a:p>
           <a:r>
-            <a:rPr lang="en-US" sz="2600" b="1" dirty="0">
+            <a:rPr lang="en-US" sz="2500" b="1" dirty="0">
               <a:latin typeface="+mj-lt"/>
               <a:ea typeface="Calibri" charset="0"/>
               <a:cs typeface="Calibri" charset="0"/>
             </a:rPr>
             <a:t>Problem</a:t>
           </a:r>
-          <a:endParaRPr lang="en-US" sz="2600" b="1" dirty="0">
+          <a:endParaRPr lang="en-US" sz="2500" b="1" dirty="0">
             <a:latin typeface="+mj-lt"/>
           </a:endParaRPr>
         </a:p>
@@ -5103,7 +5108,7 @@
         </a:bodyPr>
         <a:lstStyle/>
         <a:p>
-          <a:pPr marL="0" lvl="0" indent="0" algn="ctr" defTabSz="1155700">
+          <a:pPr marL="0" lvl="0" indent="0" algn="ctr" defTabSz="1111250">
             <a:lnSpc>
               <a:spcPct val="90000"/>
             </a:lnSpc>
@@ -5116,14 +5121,14 @@
             <a:buNone/>
           </a:pPr>
           <a:r>
-            <a:rPr lang="en-US" sz="2600" b="1" kern="1200" dirty="0">
+            <a:rPr lang="en-US" sz="2500" b="1" kern="1200" dirty="0">
               <a:latin typeface="+mj-lt"/>
               <a:ea typeface="Calibri" charset="0"/>
               <a:cs typeface="Calibri" charset="0"/>
             </a:rPr>
             <a:t>Problem</a:t>
           </a:r>
-          <a:endParaRPr lang="en-US" sz="2600" b="1" kern="1200" dirty="0">
+          <a:endParaRPr lang="en-US" sz="2500" b="1" kern="1200" dirty="0">
             <a:latin typeface="+mj-lt"/>
           </a:endParaRPr>
         </a:p>
@@ -5273,7 +5278,7 @@
         </a:bodyPr>
         <a:lstStyle/>
         <a:p>
-          <a:pPr marL="0" lvl="0" indent="0" algn="ctr" defTabSz="1155700">
+          <a:pPr marL="0" lvl="0" indent="0" algn="ctr" defTabSz="1111250">
             <a:lnSpc>
               <a:spcPct val="90000"/>
             </a:lnSpc>
@@ -5286,7 +5291,7 @@
             <a:buNone/>
           </a:pPr>
           <a:r>
-            <a:rPr lang="en-US" sz="2600" b="1" kern="1200" dirty="0">
+            <a:rPr lang="en-US" sz="2500" b="1" kern="1200" dirty="0">
               <a:latin typeface="+mj-lt"/>
               <a:ea typeface="Calibri" charset="0"/>
               <a:cs typeface="Calibri" charset="0"/>
@@ -5491,7 +5496,7 @@
         </a:bodyPr>
         <a:lstStyle/>
         <a:p>
-          <a:pPr marL="0" lvl="0" indent="0" algn="ctr" defTabSz="1155700">
+          <a:pPr marL="0" lvl="0" indent="0" algn="ctr" defTabSz="1111250">
             <a:lnSpc>
               <a:spcPct val="90000"/>
             </a:lnSpc>
@@ -5504,7 +5509,7 @@
             <a:buNone/>
           </a:pPr>
           <a:r>
-            <a:rPr lang="en-US" sz="2600" b="1" kern="1200" dirty="0">
+            <a:rPr lang="en-US" sz="2500" b="1" kern="1200" dirty="0">
               <a:latin typeface="+mj-lt"/>
               <a:ea typeface="Calibri" charset="0"/>
               <a:cs typeface="Calibri" charset="0"/>
@@ -5701,7 +5706,7 @@
         </a:bodyPr>
         <a:lstStyle/>
         <a:p>
-          <a:pPr marL="0" lvl="0" indent="0" algn="ctr" defTabSz="1155700">
+          <a:pPr marL="0" lvl="0" indent="0" algn="ctr" defTabSz="1111250">
             <a:lnSpc>
               <a:spcPct val="90000"/>
             </a:lnSpc>
@@ -5714,7 +5719,7 @@
             <a:buNone/>
           </a:pPr>
           <a:r>
-            <a:rPr lang="en-US" sz="2600" b="1" kern="1200" dirty="0">
+            <a:rPr lang="en-US" sz="2500" b="1" kern="1200" dirty="0">
               <a:latin typeface="+mj-lt"/>
               <a:ea typeface="Calibri" charset="0"/>
               <a:cs typeface="Calibri" charset="0"/>
@@ -5909,7 +5914,7 @@
         </a:bodyPr>
         <a:lstStyle/>
         <a:p>
-          <a:pPr marL="0" lvl="0" indent="0" algn="ctr" defTabSz="1155700">
+          <a:pPr marL="0" lvl="0" indent="0" algn="ctr" defTabSz="1111250">
             <a:lnSpc>
               <a:spcPct val="90000"/>
             </a:lnSpc>
@@ -5922,12 +5927,12 @@
             <a:buNone/>
           </a:pPr>
           <a:r>
-            <a:rPr lang="en-US" sz="2600" b="1" kern="1200" dirty="0">
+            <a:rPr lang="en-US" sz="2500" b="1" kern="1200" dirty="0">
               <a:latin typeface="+mj-lt"/>
               <a:ea typeface="Calibri" charset="0"/>
               <a:cs typeface="Calibri" charset="0"/>
             </a:rPr>
-            <a:t>Decision</a:t>
+            <a:t>Conclusion</a:t>
           </a:r>
         </a:p>
       </dsp:txBody>
@@ -13793,7 +13798,7 @@
           <a:p>
             <a:r>
               <a:rPr lang="en-US" dirty="0"/>
-              <a:t>3. to build machine learning models</a:t>
+              <a:t>3. to build  different machine learning models</a:t>
             </a:r>
           </a:p>
           <a:p>
@@ -13802,7 +13807,7 @@
           <a:p>
             <a:r>
               <a:rPr lang="en-US" dirty="0"/>
-              <a:t>4. Tailor them for use</a:t>
+              <a:t>4. and pick one, Study the best model</a:t>
             </a:r>
           </a:p>
           <a:p>
@@ -13902,28 +13907,7 @@
           <a:bodyPr/>
           <a:lstStyle/>
           <a:p>
-            <a:r>
-              <a:rPr lang="en-US" dirty="0"/>
-              <a:t>Cancellations of Hotel Reservations have increased</a:t>
-            </a:r>
-          </a:p>
-          <a:p>
             <a:endParaRPr lang="en-US" dirty="0"/>
-          </a:p>
-          <a:p>
-            <a:r>
-              <a:rPr lang="en-US" dirty="0"/>
-              <a:t>in recent years due to the pandemic and easy</a:t>
-            </a:r>
-          </a:p>
-          <a:p>
-            <a:endParaRPr lang="en-US" dirty="0"/>
-          </a:p>
-          <a:p>
-            <a:r>
-              <a:rPr lang="en-US" dirty="0"/>
-              <a:t>mobile accessibility.</a:t>
-            </a:r>
           </a:p>
         </p:txBody>
       </p:sp>
@@ -14009,8 +13993,13 @@
           <a:p>
             <a:r>
               <a:rPr lang="en-US" dirty="0"/>
-              <a:t>There are two major problems associated with cancellations.</a:t>
+              <a:t>My model can make two different mistakes in </a:t>
             </a:r>
+            <a:r>
+              <a:rPr lang="en-US" dirty="0" err="1"/>
+              <a:t>predction</a:t>
+            </a:r>
+            <a:endParaRPr lang="en-US" dirty="0"/>
           </a:p>
           <a:p>
             <a:endParaRPr lang="en-US" dirty="0"/>
@@ -14018,53 +14007,58 @@
           <a:p>
             <a:r>
               <a:rPr lang="en-US" dirty="0"/>
-              <a:t>1. When we predict it will be cancelled, but it's not cancelled.</a:t>
+              <a:t>FIRST</a:t>
             </a:r>
           </a:p>
           <a:p>
             <a:r>
               <a:rPr lang="en-US" dirty="0"/>
-              <a:t>     - Hotel makes money</a:t>
+              <a:t>It says customers will not come but they come.</a:t>
             </a:r>
+          </a:p>
+          <a:p>
+            <a:endParaRPr lang="en-US" dirty="0"/>
           </a:p>
           <a:p>
             <a:r>
               <a:rPr lang="en-US" dirty="0"/>
-              <a:t>     - No additional staffing costs</a:t>
+              <a:t>NO PROBLEM</a:t>
             </a:r>
-          </a:p>
-          <a:p>
-            <a:endParaRPr lang="en-US" dirty="0"/>
-          </a:p>
-          <a:p>
-            <a:endParaRPr lang="en-US" dirty="0"/>
           </a:p>
           <a:p>
             <a:r>
               <a:rPr lang="en-US" dirty="0"/>
-              <a:t>Problem:</a:t>
+              <a:t>we still make money</a:t>
             </a:r>
+          </a:p>
+          <a:p>
+            <a:endParaRPr lang="en-US" dirty="0"/>
+          </a:p>
+          <a:p>
+            <a:endParaRPr lang="en-US" dirty="0"/>
+          </a:p>
+          <a:p>
+            <a:endParaRPr lang="en-US" dirty="0"/>
           </a:p>
           <a:p>
             <a:r>
               <a:rPr lang="en-US" dirty="0"/>
-              <a:t>2. When we predict it will not be cancelled, but it's cancelled.</a:t>
+              <a:t>SECOND</a:t>
             </a:r>
           </a:p>
           <a:p>
             <a:r>
               <a:rPr lang="en-US" dirty="0"/>
-              <a:t>    - Hotel loses business</a:t>
+              <a:t>It says customers will come, but they </a:t>
             </a:r>
-          </a:p>
-          <a:p>
+            <a:r>
+              <a:rPr lang="en-US" dirty="0" err="1"/>
+              <a:t>dont</a:t>
+            </a:r>
             <a:r>
               <a:rPr lang="en-US" dirty="0"/>
-              <a:t>    - Additional staffing Costs</a:t>
+              <a:t>.</a:t>
             </a:r>
-          </a:p>
-          <a:p>
-            <a:endParaRPr lang="en-US" dirty="0"/>
           </a:p>
           <a:p>
             <a:endParaRPr lang="en-US" dirty="0"/>
@@ -14072,7 +14066,19 @@
           <a:p>
             <a:r>
               <a:rPr lang="en-US" dirty="0"/>
-              <a:t>While accuracy of prediction is very important, we give greater weights to accurately predicting second type of wrong prediction.</a:t>
+              <a:t>BIG Problem</a:t>
+            </a:r>
+          </a:p>
+          <a:p>
+            <a:r>
+              <a:rPr lang="en-US" dirty="0"/>
+              <a:t>lost revenue, increased spending on additional staffing.</a:t>
+            </a:r>
+          </a:p>
+          <a:p>
+            <a:r>
+              <a:rPr lang="en-US" dirty="0"/>
+              <a:t>We get stabbed twice</a:t>
             </a:r>
           </a:p>
         </p:txBody>
@@ -14159,7 +14165,7 @@
           <a:p>
             <a:r>
               <a:rPr lang="en-US" dirty="0"/>
-              <a:t>There are two major problems associated with cancellations.</a:t>
+              <a:t>WHEN WE WANT TO LOWER THIS</a:t>
             </a:r>
           </a:p>
           <a:p>
@@ -14168,61 +14174,7 @@
           <a:p>
             <a:r>
               <a:rPr lang="en-US" dirty="0"/>
-              <a:t>1. When we predict it will be cancelled, but it's not cancelled.</a:t>
-            </a:r>
-          </a:p>
-          <a:p>
-            <a:r>
-              <a:rPr lang="en-US" dirty="0"/>
-              <a:t>     - Hotel makes money</a:t>
-            </a:r>
-          </a:p>
-          <a:p>
-            <a:r>
-              <a:rPr lang="en-US" dirty="0"/>
-              <a:t>     - No additional staffing costs</a:t>
-            </a:r>
-          </a:p>
-          <a:p>
-            <a:endParaRPr lang="en-US" dirty="0"/>
-          </a:p>
-          <a:p>
-            <a:endParaRPr lang="en-US" dirty="0"/>
-          </a:p>
-          <a:p>
-            <a:r>
-              <a:rPr lang="en-US" dirty="0"/>
-              <a:t>Problem:</a:t>
-            </a:r>
-          </a:p>
-          <a:p>
-            <a:r>
-              <a:rPr lang="en-US" dirty="0"/>
-              <a:t>2. When we predict it will not be cancelled, but it's cancelled.</a:t>
-            </a:r>
-          </a:p>
-          <a:p>
-            <a:r>
-              <a:rPr lang="en-US" dirty="0"/>
-              <a:t>    - Hotel loses business</a:t>
-            </a:r>
-          </a:p>
-          <a:p>
-            <a:r>
-              <a:rPr lang="en-US" dirty="0"/>
-              <a:t>    - Additional staffing Costs</a:t>
-            </a:r>
-          </a:p>
-          <a:p>
-            <a:endParaRPr lang="en-US" dirty="0"/>
-          </a:p>
-          <a:p>
-            <a:endParaRPr lang="en-US" dirty="0"/>
-          </a:p>
-          <a:p>
-            <a:r>
-              <a:rPr lang="en-US" dirty="0"/>
-              <a:t>While accuracy of prediction is very important, we give greater weights to accurately predicting second type of wrong prediction.</a:t>
+              <a:t>WE NEED HIGH PRECISION OF MODEL</a:t>
             </a:r>
           </a:p>
         </p:txBody>
@@ -21204,6 +21156,14 @@
               </a:rPr>
             </a:br>
             <a:r>
+              <a:rPr lang="en-US" sz="6400" spc="-40" dirty="0">
+                <a:solidFill>
+                  <a:srgbClr val="FFFFFF"/>
+                </a:solidFill>
+              </a:rPr>
+              <a:t>Hilton</a:t>
+            </a:r>
+            <a:r>
               <a:rPr lang="en-US" sz="6400" b="1" kern="1200" spc="-40" baseline="0" dirty="0">
                 <a:solidFill>
                   <a:srgbClr val="FFFFFF"/>
@@ -21212,7 +21172,7 @@
                 <a:ea typeface="+mj-ea"/>
                 <a:cs typeface="+mj-cs"/>
               </a:rPr>
-              <a:t>Marriott’s</a:t>
+              <a:t>’s</a:t>
             </a:r>
             <a:r>
               <a:rPr lang="en-US" sz="6400" spc="-40" dirty="0">
@@ -21348,10 +21308,10 @@
       </p:sp>
       <p:pic>
         <p:nvPicPr>
-          <p:cNvPr id="9" name="Content Placeholder 8" descr="Chart, bar chart&#10;&#10;Description automatically generated">
+          <p:cNvPr id="17" name="Content Placeholder 16" descr="Chart, bar chart&#10;&#10;Description automatically generated">
             <a:extLst>
               <a:ext uri="{FF2B5EF4-FFF2-40B4-BE49-F238E27FC236}">
-                <a16:creationId xmlns:a16="http://schemas.microsoft.com/office/drawing/2014/main" id="{673B16ED-3677-0B1E-B06C-E8B532B93411}"/>
+                <a16:creationId xmlns:a16="http://schemas.microsoft.com/office/drawing/2014/main" id="{02D23BD0-54D1-00DF-DCCA-A58DFF67A99B}"/>
               </a:ext>
             </a:extLst>
           </p:cNvPr>
@@ -21370,8 +21330,8 @@
         </p:blipFill>
         <p:spPr>
           <a:xfrm>
-            <a:off x="1142981" y="1542772"/>
-            <a:ext cx="9906037" cy="5120445"/>
+            <a:off x="3065779" y="1802310"/>
+            <a:ext cx="5892800" cy="4013200"/>
           </a:xfrm>
         </p:spPr>
       </p:pic>
@@ -21449,6 +21409,11 @@
           </p:cNvGraphicFramePr>
           <p:nvPr>
             <p:ph sz="quarter" idx="14"/>
+            <p:extLst>
+              <p:ext uri="{D42A27DB-BD31-4B8C-83A1-F6EECF244321}">
+                <p14:modId xmlns:p14="http://schemas.microsoft.com/office/powerpoint/2010/main" val="849505043"/>
+              </p:ext>
+            </p:extLst>
           </p:nvPr>
         </p:nvGraphicFramePr>
         <p:xfrm>
@@ -21463,10 +21428,10 @@
       </p:graphicFrame>
       <p:pic>
         <p:nvPicPr>
-          <p:cNvPr id="4" name="Picture 3" descr="Chart, bar chart&#10;&#10;Description automatically generated">
+          <p:cNvPr id="11" name="Picture 10" descr="Chart, bar chart&#10;&#10;Description automatically generated">
             <a:extLst>
               <a:ext uri="{FF2B5EF4-FFF2-40B4-BE49-F238E27FC236}">
-                <a16:creationId xmlns:a16="http://schemas.microsoft.com/office/drawing/2014/main" id="{535DC261-BF5C-8987-52D0-6A691690CEFE}"/>
+                <a16:creationId xmlns:a16="http://schemas.microsoft.com/office/drawing/2014/main" id="{F183369B-571F-C6B9-4DBD-A8E1ABD7A763}"/>
               </a:ext>
             </a:extLst>
           </p:cNvPr>
@@ -21483,8 +21448,8 @@
         </p:blipFill>
         <p:spPr>
           <a:xfrm>
-            <a:off x="1146655" y="1560513"/>
-            <a:ext cx="9898689" cy="5102704"/>
+            <a:off x="3065779" y="1889125"/>
+            <a:ext cx="5892800" cy="4013200"/>
           </a:xfrm>
           <a:prstGeom prst="rect">
             <a:avLst/>
@@ -21674,95 +21639,6 @@
       </p:sp>
       <p:sp>
         <p:nvSpPr>
-          <p:cNvPr id="5" name="Slide Number Placeholder 4">
-            <a:extLst>
-              <a:ext uri="{FF2B5EF4-FFF2-40B4-BE49-F238E27FC236}">
-                <a16:creationId xmlns:a16="http://schemas.microsoft.com/office/drawing/2014/main" id="{4BB797FB-CB25-8C08-6261-E9FE567E898B}"/>
-              </a:ext>
-            </a:extLst>
-          </p:cNvPr>
-          <p:cNvSpPr>
-            <a:spLocks noGrp="1"/>
-          </p:cNvSpPr>
-          <p:nvPr>
-            <p:ph type="sldNum" sz="quarter" idx="12"/>
-          </p:nvPr>
-        </p:nvSpPr>
-        <p:spPr/>
-        <p:txBody>
-          <a:bodyPr/>
-          <a:lstStyle/>
-          <a:p>
-            <a:pPr marL="0" marR="0" lvl="0" indent="0" algn="r" defTabSz="914400" rtl="0" eaLnBrk="1" fontAlgn="auto" latinLnBrk="0" hangingPunct="1">
-              <a:lnSpc>
-                <a:spcPct val="100000"/>
-              </a:lnSpc>
-              <a:spcBef>
-                <a:spcPts val="0"/>
-              </a:spcBef>
-              <a:spcAft>
-                <a:spcPts val="0"/>
-              </a:spcAft>
-              <a:buClrTx/>
-              <a:buSzTx/>
-              <a:buFontTx/>
-              <a:buNone/>
-              <a:tabLst/>
-              <a:defRPr/>
-            </a:pPr>
-            <a:fld id="{06B786C7-B8F9-4072-AAAA-17258464D730}" type="slidenum">
-              <a:rPr kumimoji="0" lang="en-US" sz="1050" b="1" i="0" u="none" strike="noStrike" kern="1200" cap="none" spc="0" normalizeH="0" baseline="0" noProof="0" smtClean="0">
-                <a:ln>
-                  <a:noFill/>
-                </a:ln>
-                <a:solidFill>
-                  <a:prstClr val="black"/>
-                </a:solidFill>
-                <a:effectLst/>
-                <a:uLnTx/>
-                <a:uFillTx/>
-                <a:latin typeface="Avenir Next LT Pro"/>
-                <a:ea typeface="+mn-ea"/>
-                <a:cs typeface="+mn-cs"/>
-              </a:rPr>
-              <a:pPr marL="0" marR="0" lvl="0" indent="0" algn="r" defTabSz="914400" rtl="0" eaLnBrk="1" fontAlgn="auto" latinLnBrk="0" hangingPunct="1">
-                <a:lnSpc>
-                  <a:spcPct val="100000"/>
-                </a:lnSpc>
-                <a:spcBef>
-                  <a:spcPts val="0"/>
-                </a:spcBef>
-                <a:spcAft>
-                  <a:spcPts val="0"/>
-                </a:spcAft>
-                <a:buClrTx/>
-                <a:buSzTx/>
-                <a:buFontTx/>
-                <a:buNone/>
-                <a:tabLst/>
-                <a:defRPr/>
-              </a:pPr>
-              <a:t>12</a:t>
-            </a:fld>
-            <a:endParaRPr kumimoji="0" lang="en-US" sz="1050" b="1" i="0" u="none" strike="noStrike" kern="1200" cap="none" spc="0" normalizeH="0" baseline="0" noProof="0" dirty="0">
-              <a:ln>
-                <a:noFill/>
-              </a:ln>
-              <a:solidFill>
-                <a:prstClr val="black"/>
-              </a:solidFill>
-              <a:effectLst/>
-              <a:uLnTx/>
-              <a:uFillTx/>
-              <a:latin typeface="Avenir Next LT Pro"/>
-              <a:ea typeface="+mn-ea"/>
-              <a:cs typeface="+mn-cs"/>
-            </a:endParaRPr>
-          </a:p>
-        </p:txBody>
-      </p:sp>
-      <p:sp>
-        <p:nvSpPr>
           <p:cNvPr id="14" name="Oval 13">
             <a:extLst>
               <a:ext uri="{FF2B5EF4-FFF2-40B4-BE49-F238E27FC236}">
@@ -22292,95 +22168,6 @@
       </p:sp>
       <p:sp>
         <p:nvSpPr>
-          <p:cNvPr id="5" name="Slide Number Placeholder 4">
-            <a:extLst>
-              <a:ext uri="{FF2B5EF4-FFF2-40B4-BE49-F238E27FC236}">
-                <a16:creationId xmlns:a16="http://schemas.microsoft.com/office/drawing/2014/main" id="{4BB797FB-CB25-8C08-6261-E9FE567E898B}"/>
-              </a:ext>
-            </a:extLst>
-          </p:cNvPr>
-          <p:cNvSpPr>
-            <a:spLocks noGrp="1"/>
-          </p:cNvSpPr>
-          <p:nvPr>
-            <p:ph type="sldNum" sz="quarter" idx="12"/>
-          </p:nvPr>
-        </p:nvSpPr>
-        <p:spPr/>
-        <p:txBody>
-          <a:bodyPr/>
-          <a:lstStyle/>
-          <a:p>
-            <a:pPr marL="0" marR="0" lvl="0" indent="0" algn="r" defTabSz="914400" rtl="0" eaLnBrk="1" fontAlgn="auto" latinLnBrk="0" hangingPunct="1">
-              <a:lnSpc>
-                <a:spcPct val="100000"/>
-              </a:lnSpc>
-              <a:spcBef>
-                <a:spcPts val="0"/>
-              </a:spcBef>
-              <a:spcAft>
-                <a:spcPts val="0"/>
-              </a:spcAft>
-              <a:buClrTx/>
-              <a:buSzTx/>
-              <a:buFontTx/>
-              <a:buNone/>
-              <a:tabLst/>
-              <a:defRPr/>
-            </a:pPr>
-            <a:fld id="{06B786C7-B8F9-4072-AAAA-17258464D730}" type="slidenum">
-              <a:rPr kumimoji="0" lang="en-US" sz="1050" b="1" i="0" u="none" strike="noStrike" kern="1200" cap="none" spc="0" normalizeH="0" baseline="0" noProof="0" smtClean="0">
-                <a:ln>
-                  <a:noFill/>
-                </a:ln>
-                <a:solidFill>
-                  <a:prstClr val="black"/>
-                </a:solidFill>
-                <a:effectLst/>
-                <a:uLnTx/>
-                <a:uFillTx/>
-                <a:latin typeface="Avenir Next LT Pro"/>
-                <a:ea typeface="+mn-ea"/>
-                <a:cs typeface="+mn-cs"/>
-              </a:rPr>
-              <a:pPr marL="0" marR="0" lvl="0" indent="0" algn="r" defTabSz="914400" rtl="0" eaLnBrk="1" fontAlgn="auto" latinLnBrk="0" hangingPunct="1">
-                <a:lnSpc>
-                  <a:spcPct val="100000"/>
-                </a:lnSpc>
-                <a:spcBef>
-                  <a:spcPts val="0"/>
-                </a:spcBef>
-                <a:spcAft>
-                  <a:spcPts val="0"/>
-                </a:spcAft>
-                <a:buClrTx/>
-                <a:buSzTx/>
-                <a:buFontTx/>
-                <a:buNone/>
-                <a:tabLst/>
-                <a:defRPr/>
-              </a:pPr>
-              <a:t>13</a:t>
-            </a:fld>
-            <a:endParaRPr kumimoji="0" lang="en-US" sz="1050" b="1" i="0" u="none" strike="noStrike" kern="1200" cap="none" spc="0" normalizeH="0" baseline="0" noProof="0" dirty="0">
-              <a:ln>
-                <a:noFill/>
-              </a:ln>
-              <a:solidFill>
-                <a:prstClr val="black"/>
-              </a:solidFill>
-              <a:effectLst/>
-              <a:uLnTx/>
-              <a:uFillTx/>
-              <a:latin typeface="Avenir Next LT Pro"/>
-              <a:ea typeface="+mn-ea"/>
-              <a:cs typeface="+mn-cs"/>
-            </a:endParaRPr>
-          </a:p>
-        </p:txBody>
-      </p:sp>
-      <p:sp>
-        <p:nvSpPr>
           <p:cNvPr id="18" name="Oval 17">
             <a:extLst>
               <a:ext uri="{FF2B5EF4-FFF2-40B4-BE49-F238E27FC236}">
@@ -23009,10 +22796,10 @@
       </p:sp>
       <p:pic>
         <p:nvPicPr>
-          <p:cNvPr id="6" name="Content Placeholder 5" descr="Chart, treemap chart&#10;&#10;Description automatically generated">
+          <p:cNvPr id="20" name="Content Placeholder 19" descr="Chart&#10;&#10;Description automatically generated">
             <a:extLst>
               <a:ext uri="{FF2B5EF4-FFF2-40B4-BE49-F238E27FC236}">
-                <a16:creationId xmlns:a16="http://schemas.microsoft.com/office/drawing/2014/main" id="{8D53FF91-2C87-0939-4916-780BF5A1505C}"/>
+                <a16:creationId xmlns:a16="http://schemas.microsoft.com/office/drawing/2014/main" id="{84312C39-4C54-7673-F85B-D386BD063E2A}"/>
               </a:ext>
             </a:extLst>
           </p:cNvPr>
@@ -23031,100 +22818,11 @@
         </p:blipFill>
         <p:spPr>
           <a:xfrm>
-            <a:off x="1461983" y="1605635"/>
-            <a:ext cx="8552606" cy="4933277"/>
+            <a:off x="3111500" y="1597819"/>
+            <a:ext cx="5969000" cy="4267200"/>
           </a:xfrm>
         </p:spPr>
       </p:pic>
-      <p:sp>
-        <p:nvSpPr>
-          <p:cNvPr id="5" name="Slide Number Placeholder 4">
-            <a:extLst>
-              <a:ext uri="{FF2B5EF4-FFF2-40B4-BE49-F238E27FC236}">
-                <a16:creationId xmlns:a16="http://schemas.microsoft.com/office/drawing/2014/main" id="{BD8D804C-CCE9-8B3B-DBF1-972A18BE467A}"/>
-              </a:ext>
-            </a:extLst>
-          </p:cNvPr>
-          <p:cNvSpPr>
-            <a:spLocks noGrp="1"/>
-          </p:cNvSpPr>
-          <p:nvPr>
-            <p:ph type="sldNum" sz="quarter" idx="12"/>
-          </p:nvPr>
-        </p:nvSpPr>
-        <p:spPr/>
-        <p:txBody>
-          <a:bodyPr/>
-          <a:lstStyle/>
-          <a:p>
-            <a:pPr marL="0" marR="0" lvl="0" indent="0" algn="r" defTabSz="914400" rtl="0" eaLnBrk="1" fontAlgn="auto" latinLnBrk="0" hangingPunct="1">
-              <a:lnSpc>
-                <a:spcPct val="100000"/>
-              </a:lnSpc>
-              <a:spcBef>
-                <a:spcPts val="0"/>
-              </a:spcBef>
-              <a:spcAft>
-                <a:spcPts val="0"/>
-              </a:spcAft>
-              <a:buClrTx/>
-              <a:buSzTx/>
-              <a:buFontTx/>
-              <a:buNone/>
-              <a:tabLst/>
-              <a:defRPr/>
-            </a:pPr>
-            <a:fld id="{06B786C7-B8F9-4072-AAAA-17258464D730}" type="slidenum">
-              <a:rPr kumimoji="0" lang="en-US" sz="1050" b="0" i="0" u="none" strike="noStrike" kern="1200" cap="none" spc="0" normalizeH="0" baseline="0" noProof="0" smtClean="0">
-                <a:ln>
-                  <a:noFill/>
-                </a:ln>
-                <a:solidFill>
-                  <a:prstClr val="black"/>
-                </a:solidFill>
-                <a:effectLst/>
-                <a:uLnTx/>
-                <a:uFillTx/>
-                <a:latin typeface="Avenir Next LT Pro"/>
-                <a:ea typeface="+mn-ea"/>
-                <a:cs typeface="+mn-cs"/>
-              </a:rPr>
-              <a:pPr marL="0" marR="0" lvl="0" indent="0" algn="r" defTabSz="914400" rtl="0" eaLnBrk="1" fontAlgn="auto" latinLnBrk="0" hangingPunct="1">
-                <a:lnSpc>
-                  <a:spcPct val="100000"/>
-                </a:lnSpc>
-                <a:spcBef>
-                  <a:spcPts val="0"/>
-                </a:spcBef>
-                <a:spcAft>
-                  <a:spcPts val="0"/>
-                </a:spcAft>
-                <a:buClrTx/>
-                <a:buSzTx/>
-                <a:buFontTx/>
-                <a:buNone/>
-                <a:tabLst/>
-                <a:defRPr/>
-              </a:pPr>
-              <a:t>14</a:t>
-            </a:fld>
-            <a:endParaRPr kumimoji="0" lang="en-US" sz="1050" b="0" i="0" u="none" strike="noStrike" kern="1200" cap="none" spc="0" normalizeH="0" baseline="0" noProof="0" dirty="0">
-              <a:ln>
-                <a:noFill/>
-              </a:ln>
-              <a:solidFill>
-                <a:prstClr val="black"/>
-              </a:solidFill>
-              <a:effectLst/>
-              <a:uLnTx/>
-              <a:uFillTx/>
-              <a:latin typeface="Avenir Next LT Pro"/>
-              <a:ea typeface="+mn-ea"/>
-              <a:cs typeface="+mn-cs"/>
-            </a:endParaRPr>
-          </a:p>
-        </p:txBody>
-      </p:sp>
     </p:spTree>
     <p:extLst>
       <p:ext uri="{BB962C8B-B14F-4D97-AF65-F5344CB8AC3E}">
@@ -23185,35 +22883,6 @@
           </a:p>
         </p:txBody>
       </p:sp>
-      <p:pic>
-        <p:nvPicPr>
-          <p:cNvPr id="6" name="Content Placeholder 5" descr="Chart, treemap chart&#10;&#10;Description automatically generated">
-            <a:extLst>
-              <a:ext uri="{FF2B5EF4-FFF2-40B4-BE49-F238E27FC236}">
-                <a16:creationId xmlns:a16="http://schemas.microsoft.com/office/drawing/2014/main" id="{111616E6-B997-DBA1-7ADC-F0CF5A96500E}"/>
-              </a:ext>
-            </a:extLst>
-          </p:cNvPr>
-          <p:cNvPicPr>
-            <a:picLocks noGrp="1" noChangeAspect="1"/>
-          </p:cNvPicPr>
-          <p:nvPr>
-            <p:ph sz="quarter" idx="14"/>
-          </p:nvPr>
-        </p:nvPicPr>
-        <p:blipFill>
-          <a:blip r:embed="rId2"/>
-          <a:stretch>
-            <a:fillRect/>
-          </a:stretch>
-        </p:blipFill>
-        <p:spPr>
-          <a:xfrm>
-            <a:off x="1461983" y="1605635"/>
-            <a:ext cx="8552606" cy="4933277"/>
-          </a:xfrm>
-        </p:spPr>
-      </p:pic>
       <p:sp>
         <p:nvSpPr>
           <p:cNvPr id="5" name="Slide Number Placeholder 4">
@@ -23303,6 +22972,35 @@
           </a:p>
         </p:txBody>
       </p:sp>
+      <p:pic>
+        <p:nvPicPr>
+          <p:cNvPr id="22" name="Content Placeholder 21" descr="Chart&#10;&#10;Description automatically generated">
+            <a:extLst>
+              <a:ext uri="{FF2B5EF4-FFF2-40B4-BE49-F238E27FC236}">
+                <a16:creationId xmlns:a16="http://schemas.microsoft.com/office/drawing/2014/main" id="{E5F293BC-3792-110B-70AD-6AFD18675027}"/>
+              </a:ext>
+            </a:extLst>
+          </p:cNvPr>
+          <p:cNvPicPr>
+            <a:picLocks noGrp="1" noChangeAspect="1"/>
+          </p:cNvPicPr>
+          <p:nvPr>
+            <p:ph sz="quarter" idx="14"/>
+          </p:nvPr>
+        </p:nvPicPr>
+        <p:blipFill>
+          <a:blip r:embed="rId2"/>
+          <a:stretch>
+            <a:fillRect/>
+          </a:stretch>
+        </p:blipFill>
+        <p:spPr>
+          <a:xfrm>
+            <a:off x="3111500" y="1597819"/>
+            <a:ext cx="5969000" cy="4267200"/>
+          </a:xfrm>
+        </p:spPr>
+      </p:pic>
     </p:spTree>
     <p:extLst>
       <p:ext uri="{BB962C8B-B14F-4D97-AF65-F5344CB8AC3E}">
@@ -23444,95 +23142,6 @@
               <a:buNone/>
             </a:pPr>
             <a:endParaRPr lang="en-US" sz="2800" b="1" dirty="0"/>
-          </a:p>
-        </p:txBody>
-      </p:sp>
-      <p:sp>
-        <p:nvSpPr>
-          <p:cNvPr id="5" name="Slide Number Placeholder 4">
-            <a:extLst>
-              <a:ext uri="{FF2B5EF4-FFF2-40B4-BE49-F238E27FC236}">
-                <a16:creationId xmlns:a16="http://schemas.microsoft.com/office/drawing/2014/main" id="{C9396A93-D20D-BFC9-8BD0-926D689C18A2}"/>
-              </a:ext>
-            </a:extLst>
-          </p:cNvPr>
-          <p:cNvSpPr>
-            <a:spLocks noGrp="1"/>
-          </p:cNvSpPr>
-          <p:nvPr>
-            <p:ph type="sldNum" sz="quarter" idx="12"/>
-          </p:nvPr>
-        </p:nvSpPr>
-        <p:spPr/>
-        <p:txBody>
-          <a:bodyPr/>
-          <a:lstStyle/>
-          <a:p>
-            <a:pPr marL="0" marR="0" lvl="0" indent="0" algn="r" defTabSz="914400" rtl="0" eaLnBrk="1" fontAlgn="auto" latinLnBrk="0" hangingPunct="1">
-              <a:lnSpc>
-                <a:spcPct val="100000"/>
-              </a:lnSpc>
-              <a:spcBef>
-                <a:spcPts val="0"/>
-              </a:spcBef>
-              <a:spcAft>
-                <a:spcPts val="0"/>
-              </a:spcAft>
-              <a:buClrTx/>
-              <a:buSzTx/>
-              <a:buFontTx/>
-              <a:buNone/>
-              <a:tabLst/>
-              <a:defRPr/>
-            </a:pPr>
-            <a:fld id="{06B786C7-B8F9-4072-AAAA-17258464D730}" type="slidenum">
-              <a:rPr kumimoji="0" lang="en-US" sz="1050" b="0" i="0" u="none" strike="noStrike" kern="1200" cap="none" spc="0" normalizeH="0" baseline="0" noProof="0" smtClean="0">
-                <a:ln>
-                  <a:noFill/>
-                </a:ln>
-                <a:solidFill>
-                  <a:prstClr val="black"/>
-                </a:solidFill>
-                <a:effectLst/>
-                <a:uLnTx/>
-                <a:uFillTx/>
-                <a:latin typeface="Avenir Next LT Pro"/>
-                <a:ea typeface="+mn-ea"/>
-                <a:cs typeface="+mn-cs"/>
-              </a:rPr>
-              <a:pPr marL="0" marR="0" lvl="0" indent="0" algn="r" defTabSz="914400" rtl="0" eaLnBrk="1" fontAlgn="auto" latinLnBrk="0" hangingPunct="1">
-                <a:lnSpc>
-                  <a:spcPct val="100000"/>
-                </a:lnSpc>
-                <a:spcBef>
-                  <a:spcPts val="0"/>
-                </a:spcBef>
-                <a:spcAft>
-                  <a:spcPts val="0"/>
-                </a:spcAft>
-                <a:buClrTx/>
-                <a:buSzTx/>
-                <a:buFontTx/>
-                <a:buNone/>
-                <a:tabLst/>
-                <a:defRPr/>
-              </a:pPr>
-              <a:t>16</a:t>
-            </a:fld>
-            <a:endParaRPr kumimoji="0" lang="en-US" sz="1050" b="0" i="0" u="none" strike="noStrike" kern="1200" cap="none" spc="0" normalizeH="0" baseline="0" noProof="0" dirty="0">
-              <a:ln>
-                <a:noFill/>
-              </a:ln>
-              <a:solidFill>
-                <a:prstClr val="black"/>
-              </a:solidFill>
-              <a:effectLst/>
-              <a:uLnTx/>
-              <a:uFillTx/>
-              <a:latin typeface="Avenir Next LT Pro"/>
-              <a:ea typeface="+mn-ea"/>
-              <a:cs typeface="+mn-cs"/>
-            </a:endParaRPr>
           </a:p>
         </p:txBody>
       </p:sp>
@@ -23646,7 +23255,34 @@
           <a:bodyPr/>
           <a:lstStyle/>
           <a:p>
-            <a:endParaRPr lang="en-US" dirty="0"/>
+            <a:r>
+              <a:rPr lang="en-US" b="1" dirty="0"/>
+              <a:t>Month of Arrival</a:t>
+            </a:r>
+          </a:p>
+          <a:p>
+            <a:r>
+              <a:rPr lang="en-US" b="1" dirty="0"/>
+              <a:t>Reservation Segment Type</a:t>
+            </a:r>
+          </a:p>
+          <a:p>
+            <a:r>
+              <a:rPr lang="en-US" b="1" dirty="0"/>
+              <a:t>Lead Time</a:t>
+            </a:r>
+          </a:p>
+          <a:p>
+            <a:r>
+              <a:rPr lang="en-US" b="1" dirty="0"/>
+              <a:t>Average Price Per Night</a:t>
+            </a:r>
+          </a:p>
+          <a:p>
+            <a:r>
+              <a:rPr lang="en-US" b="1" dirty="0"/>
+              <a:t>Number of Special Requests</a:t>
+            </a:r>
           </a:p>
         </p:txBody>
       </p:sp>
@@ -23699,96 +23335,22 @@
           <a:bodyPr/>
           <a:lstStyle/>
           <a:p>
-            <a:endParaRPr lang="en-US" dirty="0"/>
-          </a:p>
-        </p:txBody>
-      </p:sp>
-      <p:sp>
-        <p:nvSpPr>
-          <p:cNvPr id="5" name="Slide Number Placeholder 4">
-            <a:extLst>
-              <a:ext uri="{FF2B5EF4-FFF2-40B4-BE49-F238E27FC236}">
-                <a16:creationId xmlns:a16="http://schemas.microsoft.com/office/drawing/2014/main" id="{C9396A93-D20D-BFC9-8BD0-926D689C18A2}"/>
-              </a:ext>
-            </a:extLst>
-          </p:cNvPr>
-          <p:cNvSpPr>
-            <a:spLocks noGrp="1"/>
-          </p:cNvSpPr>
-          <p:nvPr>
-            <p:ph type="sldNum" sz="quarter" idx="12"/>
-          </p:nvPr>
-        </p:nvSpPr>
-        <p:spPr/>
-        <p:txBody>
-          <a:bodyPr/>
-          <a:lstStyle/>
-          <a:p>
-            <a:pPr marL="0" marR="0" lvl="0" indent="0" algn="r" defTabSz="914400" rtl="0" eaLnBrk="1" fontAlgn="auto" latinLnBrk="0" hangingPunct="1">
-              <a:lnSpc>
-                <a:spcPct val="100000"/>
-              </a:lnSpc>
-              <a:spcBef>
-                <a:spcPts val="0"/>
-              </a:spcBef>
-              <a:spcAft>
-                <a:spcPts val="0"/>
-              </a:spcAft>
-              <a:buClrTx/>
-              <a:buSzTx/>
-              <a:buFontTx/>
-              <a:buNone/>
-              <a:tabLst/>
-              <a:defRPr/>
-            </a:pPr>
-            <a:fld id="{06B786C7-B8F9-4072-AAAA-17258464D730}" type="slidenum">
-              <a:rPr kumimoji="0" lang="en-US" sz="1050" b="0" i="0" u="none" strike="noStrike" kern="1200" cap="none" spc="0" normalizeH="0" baseline="0" noProof="0" smtClean="0">
-                <a:ln>
-                  <a:noFill/>
-                </a:ln>
-                <a:solidFill>
-                  <a:prstClr val="black"/>
-                </a:solidFill>
-                <a:effectLst/>
-                <a:uLnTx/>
-                <a:uFillTx/>
-                <a:latin typeface="Avenir Next LT Pro"/>
-                <a:ea typeface="+mn-ea"/>
-                <a:cs typeface="+mn-cs"/>
-              </a:rPr>
-              <a:pPr marL="0" marR="0" lvl="0" indent="0" algn="r" defTabSz="914400" rtl="0" eaLnBrk="1" fontAlgn="auto" latinLnBrk="0" hangingPunct="1">
-                <a:lnSpc>
-                  <a:spcPct val="100000"/>
-                </a:lnSpc>
-                <a:spcBef>
-                  <a:spcPts val="0"/>
-                </a:spcBef>
-                <a:spcAft>
-                  <a:spcPts val="0"/>
-                </a:spcAft>
-                <a:buClrTx/>
-                <a:buSzTx/>
-                <a:buFontTx/>
-                <a:buNone/>
-                <a:tabLst/>
-                <a:defRPr/>
-              </a:pPr>
-              <a:t>17</a:t>
-            </a:fld>
-            <a:endParaRPr kumimoji="0" lang="en-US" sz="1050" b="0" i="0" u="none" strike="noStrike" kern="1200" cap="none" spc="0" normalizeH="0" baseline="0" noProof="0" dirty="0">
-              <a:ln>
-                <a:noFill/>
-              </a:ln>
-              <a:solidFill>
-                <a:prstClr val="black"/>
-              </a:solidFill>
-              <a:effectLst/>
-              <a:uLnTx/>
-              <a:uFillTx/>
-              <a:latin typeface="Avenir Next LT Pro"/>
-              <a:ea typeface="+mn-ea"/>
-              <a:cs typeface="+mn-cs"/>
-            </a:endParaRPr>
+            <a:r>
+              <a:rPr lang="en-US" b="1" dirty="0"/>
+              <a:t>Meal Plan Types</a:t>
+            </a:r>
+          </a:p>
+          <a:p>
+            <a:r>
+              <a:rPr lang="en-US" b="1" dirty="0"/>
+              <a:t>Number of Previous Cancellations</a:t>
+            </a:r>
+          </a:p>
+          <a:p>
+            <a:r>
+              <a:rPr lang="en-US" b="1" dirty="0"/>
+              <a:t>Room Types</a:t>
+            </a:r>
           </a:p>
         </p:txBody>
       </p:sp>
@@ -23848,6 +23410,1209 @@
             <a:pPr algn="l"/>
             <a:r>
               <a:rPr lang="en-US" sz="5000" dirty="0"/>
+              <a:t>Recommendation 1</a:t>
+            </a:r>
+          </a:p>
+        </p:txBody>
+      </p:sp>
+      <p:sp>
+        <p:nvSpPr>
+          <p:cNvPr id="4" name="Text Placeholder 3">
+            <a:extLst>
+              <a:ext uri="{FF2B5EF4-FFF2-40B4-BE49-F238E27FC236}">
+                <a16:creationId xmlns:a16="http://schemas.microsoft.com/office/drawing/2014/main" id="{58680A47-B14E-0011-E594-CCCE0F143C6F}"/>
+              </a:ext>
+            </a:extLst>
+          </p:cNvPr>
+          <p:cNvSpPr>
+            <a:spLocks noGrp="1"/>
+          </p:cNvSpPr>
+          <p:nvPr>
+            <p:ph type="body" sz="quarter" idx="17"/>
+          </p:nvPr>
+        </p:nvSpPr>
+        <p:spPr/>
+        <p:txBody>
+          <a:bodyPr/>
+          <a:lstStyle/>
+          <a:p>
+            <a:r>
+              <a:rPr lang="en-US" dirty="0"/>
+              <a:t>Most Important Features</a:t>
+            </a:r>
+          </a:p>
+        </p:txBody>
+      </p:sp>
+      <p:sp>
+        <p:nvSpPr>
+          <p:cNvPr id="3" name="Text Placeholder 2">
+            <a:extLst>
+              <a:ext uri="{FF2B5EF4-FFF2-40B4-BE49-F238E27FC236}">
+                <a16:creationId xmlns:a16="http://schemas.microsoft.com/office/drawing/2014/main" id="{D517A8AD-5ACA-2C0D-9A66-689898F95BBE}"/>
+              </a:ext>
+            </a:extLst>
+          </p:cNvPr>
+          <p:cNvSpPr>
+            <a:spLocks noGrp="1"/>
+          </p:cNvSpPr>
+          <p:nvPr>
+            <p:ph type="body" sz="quarter" idx="18"/>
+          </p:nvPr>
+        </p:nvSpPr>
+        <p:spPr/>
+        <p:txBody>
+          <a:bodyPr/>
+          <a:lstStyle/>
+          <a:p>
+            <a:endParaRPr lang="en-US"/>
+          </a:p>
+        </p:txBody>
+      </p:sp>
+      <p:sp>
+        <p:nvSpPr>
+          <p:cNvPr id="10" name="Text Placeholder 9">
+            <a:extLst>
+              <a:ext uri="{FF2B5EF4-FFF2-40B4-BE49-F238E27FC236}">
+                <a16:creationId xmlns:a16="http://schemas.microsoft.com/office/drawing/2014/main" id="{F8F5B5E0-05EC-2655-AC8F-6E5825B21FA2}"/>
+              </a:ext>
+            </a:extLst>
+          </p:cNvPr>
+          <p:cNvSpPr>
+            <a:spLocks noGrp="1"/>
+          </p:cNvSpPr>
+          <p:nvPr>
+            <p:ph type="body" sz="quarter" idx="14"/>
+          </p:nvPr>
+        </p:nvSpPr>
+        <p:spPr/>
+        <p:txBody>
+          <a:bodyPr/>
+          <a:lstStyle/>
+          <a:p>
+            <a:endParaRPr lang="en-US"/>
+          </a:p>
+        </p:txBody>
+      </p:sp>
+      <p:pic>
+        <p:nvPicPr>
+          <p:cNvPr id="11" name="Picture Placeholder 15" descr="Chart&#10;&#10;Description automatically generated">
+            <a:extLst>
+              <a:ext uri="{FF2B5EF4-FFF2-40B4-BE49-F238E27FC236}">
+                <a16:creationId xmlns:a16="http://schemas.microsoft.com/office/drawing/2014/main" id="{47598240-0AE6-0E22-53F0-D2294C2A046F}"/>
+              </a:ext>
+            </a:extLst>
+          </p:cNvPr>
+          <p:cNvPicPr>
+            <a:picLocks noChangeAspect="1"/>
+          </p:cNvPicPr>
+          <p:nvPr/>
+        </p:nvPicPr>
+        <p:blipFill>
+          <a:blip r:embed="rId2"/>
+          <a:srcRect l="8438" r="8438"/>
+          <a:stretch>
+            <a:fillRect/>
+          </a:stretch>
+        </p:blipFill>
+        <p:spPr>
+          <a:xfrm>
+            <a:off x="898657" y="1619934"/>
+            <a:ext cx="5067300" cy="4572000"/>
+          </a:xfrm>
+          <a:prstGeom prst="rect">
+            <a:avLst/>
+          </a:prstGeom>
+        </p:spPr>
+      </p:pic>
+      <p:sp>
+        <p:nvSpPr>
+          <p:cNvPr id="13" name="Text Placeholder 12">
+            <a:extLst>
+              <a:ext uri="{FF2B5EF4-FFF2-40B4-BE49-F238E27FC236}">
+                <a16:creationId xmlns:a16="http://schemas.microsoft.com/office/drawing/2014/main" id="{E44BF507-4FA7-FA9A-AD93-9F4BFE8BB0D7}"/>
+              </a:ext>
+            </a:extLst>
+          </p:cNvPr>
+          <p:cNvSpPr>
+            <a:spLocks noGrp="1"/>
+          </p:cNvSpPr>
+          <p:nvPr>
+            <p:ph type="body" sz="quarter" idx="16"/>
+          </p:nvPr>
+        </p:nvSpPr>
+        <p:spPr>
+          <a:xfrm>
+            <a:off x="6257467" y="1764030"/>
+            <a:ext cx="4756714" cy="3976369"/>
+          </a:xfrm>
+        </p:spPr>
+        <p:txBody>
+          <a:bodyPr>
+            <a:noAutofit/>
+          </a:bodyPr>
+          <a:lstStyle/>
+          <a:p>
+            <a:r>
+              <a:rPr lang="en-US" sz="5000" dirty="0"/>
+              <a:t>Make strategies for dealing with Summer Reservations.</a:t>
+            </a:r>
+          </a:p>
+        </p:txBody>
+      </p:sp>
+    </p:spTree>
+    <p:extLst>
+      <p:ext uri="{BB962C8B-B14F-4D97-AF65-F5344CB8AC3E}">
+        <p14:creationId xmlns:p14="http://schemas.microsoft.com/office/powerpoint/2010/main" val="1835420693"/>
+      </p:ext>
+    </p:extLst>
+  </p:cSld>
+  <p:clrMapOvr>
+    <a:masterClrMapping/>
+  </p:clrMapOvr>
+</p:sld>
+</file>
+
+<file path=ppt/slides/slide19.xml><?xml version="1.0" encoding="utf-8"?>
+<p:sld xmlns:a="http://schemas.openxmlformats.org/drawingml/2006/main" xmlns:r="http://schemas.openxmlformats.org/officeDocument/2006/relationships" xmlns:p="http://schemas.openxmlformats.org/presentationml/2006/main">
+  <p:cSld>
+    <p:spTree>
+      <p:nvGrpSpPr>
+        <p:cNvPr id="1" name=""/>
+        <p:cNvGrpSpPr/>
+        <p:nvPr/>
+      </p:nvGrpSpPr>
+      <p:grpSpPr>
+        <a:xfrm>
+          <a:off x="0" y="0"/>
+          <a:ext cx="0" cy="0"/>
+          <a:chOff x="0" y="0"/>
+          <a:chExt cx="0" cy="0"/>
+        </a:xfrm>
+      </p:grpSpPr>
+      <p:sp>
+        <p:nvSpPr>
+          <p:cNvPr id="2" name="Title 1">
+            <a:extLst>
+              <a:ext uri="{FF2B5EF4-FFF2-40B4-BE49-F238E27FC236}">
+                <a16:creationId xmlns:a16="http://schemas.microsoft.com/office/drawing/2014/main" id="{577D56B1-994D-DAF7-0CE4-0E516F420032}"/>
+              </a:ext>
+            </a:extLst>
+          </p:cNvPr>
+          <p:cNvSpPr>
+            <a:spLocks noGrp="1"/>
+          </p:cNvSpPr>
+          <p:nvPr>
+            <p:ph type="title"/>
+          </p:nvPr>
+        </p:nvSpPr>
+        <p:spPr/>
+        <p:txBody>
+          <a:bodyPr>
+            <a:noAutofit/>
+          </a:bodyPr>
+          <a:lstStyle/>
+          <a:p>
+            <a:pPr algn="l"/>
+            <a:r>
+              <a:rPr lang="en-US" sz="5000" dirty="0"/>
+              <a:t>Recommendation 2</a:t>
+            </a:r>
+          </a:p>
+        </p:txBody>
+      </p:sp>
+      <p:sp>
+        <p:nvSpPr>
+          <p:cNvPr id="4" name="Text Placeholder 3">
+            <a:extLst>
+              <a:ext uri="{FF2B5EF4-FFF2-40B4-BE49-F238E27FC236}">
+                <a16:creationId xmlns:a16="http://schemas.microsoft.com/office/drawing/2014/main" id="{58680A47-B14E-0011-E594-CCCE0F143C6F}"/>
+              </a:ext>
+            </a:extLst>
+          </p:cNvPr>
+          <p:cNvSpPr>
+            <a:spLocks noGrp="1"/>
+          </p:cNvSpPr>
+          <p:nvPr>
+            <p:ph type="body" sz="quarter" idx="17"/>
+          </p:nvPr>
+        </p:nvSpPr>
+        <p:spPr/>
+        <p:txBody>
+          <a:bodyPr/>
+          <a:lstStyle/>
+          <a:p>
+            <a:r>
+              <a:rPr lang="en-US" dirty="0"/>
+              <a:t>Most Important Features</a:t>
+            </a:r>
+          </a:p>
+        </p:txBody>
+      </p:sp>
+      <p:sp>
+        <p:nvSpPr>
+          <p:cNvPr id="3" name="Text Placeholder 2">
+            <a:extLst>
+              <a:ext uri="{FF2B5EF4-FFF2-40B4-BE49-F238E27FC236}">
+                <a16:creationId xmlns:a16="http://schemas.microsoft.com/office/drawing/2014/main" id="{D517A8AD-5ACA-2C0D-9A66-689898F95BBE}"/>
+              </a:ext>
+            </a:extLst>
+          </p:cNvPr>
+          <p:cNvSpPr>
+            <a:spLocks noGrp="1"/>
+          </p:cNvSpPr>
+          <p:nvPr>
+            <p:ph type="body" sz="quarter" idx="18"/>
+          </p:nvPr>
+        </p:nvSpPr>
+        <p:spPr/>
+        <p:txBody>
+          <a:bodyPr/>
+          <a:lstStyle/>
+          <a:p>
+            <a:endParaRPr lang="en-US"/>
+          </a:p>
+        </p:txBody>
+      </p:sp>
+      <p:sp>
+        <p:nvSpPr>
+          <p:cNvPr id="10" name="Text Placeholder 9">
+            <a:extLst>
+              <a:ext uri="{FF2B5EF4-FFF2-40B4-BE49-F238E27FC236}">
+                <a16:creationId xmlns:a16="http://schemas.microsoft.com/office/drawing/2014/main" id="{F8F5B5E0-05EC-2655-AC8F-6E5825B21FA2}"/>
+              </a:ext>
+            </a:extLst>
+          </p:cNvPr>
+          <p:cNvSpPr>
+            <a:spLocks noGrp="1"/>
+          </p:cNvSpPr>
+          <p:nvPr>
+            <p:ph type="body" sz="quarter" idx="14"/>
+          </p:nvPr>
+        </p:nvSpPr>
+        <p:spPr/>
+        <p:txBody>
+          <a:bodyPr/>
+          <a:lstStyle/>
+          <a:p>
+            <a:endParaRPr lang="en-US" dirty="0"/>
+          </a:p>
+        </p:txBody>
+      </p:sp>
+      <p:sp>
+        <p:nvSpPr>
+          <p:cNvPr id="13" name="Text Placeholder 12">
+            <a:extLst>
+              <a:ext uri="{FF2B5EF4-FFF2-40B4-BE49-F238E27FC236}">
+                <a16:creationId xmlns:a16="http://schemas.microsoft.com/office/drawing/2014/main" id="{E44BF507-4FA7-FA9A-AD93-9F4BFE8BB0D7}"/>
+              </a:ext>
+            </a:extLst>
+          </p:cNvPr>
+          <p:cNvSpPr>
+            <a:spLocks noGrp="1"/>
+          </p:cNvSpPr>
+          <p:nvPr>
+            <p:ph type="body" sz="quarter" idx="16"/>
+          </p:nvPr>
+        </p:nvSpPr>
+        <p:spPr>
+          <a:xfrm>
+            <a:off x="6257467" y="1764030"/>
+            <a:ext cx="4756714" cy="3976369"/>
+          </a:xfrm>
+        </p:spPr>
+        <p:txBody>
+          <a:bodyPr>
+            <a:noAutofit/>
+          </a:bodyPr>
+          <a:lstStyle/>
+          <a:p>
+            <a:r>
+              <a:rPr lang="en-US" sz="5000" dirty="0"/>
+              <a:t>Make Business People Come.</a:t>
+            </a:r>
+          </a:p>
+          <a:p>
+            <a:r>
+              <a:rPr lang="en-US" sz="5000" dirty="0"/>
+              <a:t>Enhance their experience.</a:t>
+            </a:r>
+          </a:p>
+        </p:txBody>
+      </p:sp>
+      <p:pic>
+        <p:nvPicPr>
+          <p:cNvPr id="7" name="Picture 6" descr="Chart, bar chart&#10;&#10;Description automatically generated">
+            <a:extLst>
+              <a:ext uri="{FF2B5EF4-FFF2-40B4-BE49-F238E27FC236}">
+                <a16:creationId xmlns:a16="http://schemas.microsoft.com/office/drawing/2014/main" id="{AED163B5-6290-8058-E333-EAB536FB67D9}"/>
+              </a:ext>
+            </a:extLst>
+          </p:cNvPr>
+          <p:cNvPicPr>
+            <a:picLocks noChangeAspect="1"/>
+          </p:cNvPicPr>
+          <p:nvPr/>
+        </p:nvPicPr>
+        <p:blipFill>
+          <a:blip r:embed="rId2"/>
+          <a:stretch>
+            <a:fillRect/>
+          </a:stretch>
+        </p:blipFill>
+        <p:spPr>
+          <a:xfrm>
+            <a:off x="415467" y="1764029"/>
+            <a:ext cx="5842000" cy="4381500"/>
+          </a:xfrm>
+          <a:prstGeom prst="rect">
+            <a:avLst/>
+          </a:prstGeom>
+        </p:spPr>
+      </p:pic>
+    </p:spTree>
+    <p:extLst>
+      <p:ext uri="{BB962C8B-B14F-4D97-AF65-F5344CB8AC3E}">
+        <p14:creationId xmlns:p14="http://schemas.microsoft.com/office/powerpoint/2010/main" val="207937754"/>
+      </p:ext>
+    </p:extLst>
+  </p:cSld>
+  <p:clrMapOvr>
+    <a:masterClrMapping/>
+  </p:clrMapOvr>
+</p:sld>
+</file>
+
+<file path=ppt/slides/slide2.xml><?xml version="1.0" encoding="utf-8"?>
+<p:sld xmlns:a="http://schemas.openxmlformats.org/drawingml/2006/main" xmlns:r="http://schemas.openxmlformats.org/officeDocument/2006/relationships" xmlns:p="http://schemas.openxmlformats.org/presentationml/2006/main">
+  <p:cSld>
+    <p:spTree>
+      <p:nvGrpSpPr>
+        <p:cNvPr id="1" name=""/>
+        <p:cNvGrpSpPr/>
+        <p:nvPr/>
+      </p:nvGrpSpPr>
+      <p:grpSpPr>
+        <a:xfrm>
+          <a:off x="0" y="0"/>
+          <a:ext cx="0" cy="0"/>
+          <a:chOff x="0" y="0"/>
+          <a:chExt cx="0" cy="0"/>
+        </a:xfrm>
+      </p:grpSpPr>
+      <p:sp>
+        <p:nvSpPr>
+          <p:cNvPr id="25" name="Title 24">
+            <a:extLst>
+              <a:ext uri="{FF2B5EF4-FFF2-40B4-BE49-F238E27FC236}">
+                <a16:creationId xmlns:a16="http://schemas.microsoft.com/office/drawing/2014/main" id="{330F6403-11BB-440A-81D1-11DAFA7ABF5D}"/>
+              </a:ext>
+            </a:extLst>
+          </p:cNvPr>
+          <p:cNvSpPr>
+            <a:spLocks noGrp="1"/>
+          </p:cNvSpPr>
+          <p:nvPr>
+            <p:ph type="title"/>
+          </p:nvPr>
+        </p:nvSpPr>
+        <p:spPr>
+          <a:xfrm>
+            <a:off x="1000759" y="194783"/>
+            <a:ext cx="10022841" cy="760892"/>
+          </a:xfrm>
+        </p:spPr>
+        <p:txBody>
+          <a:bodyPr>
+            <a:noAutofit/>
+          </a:bodyPr>
+          <a:lstStyle/>
+          <a:p>
+            <a:r>
+              <a:rPr lang="en-US" sz="5000" dirty="0"/>
+              <a:t>Outline</a:t>
+            </a:r>
+          </a:p>
+        </p:txBody>
+      </p:sp>
+      <p:graphicFrame>
+        <p:nvGraphicFramePr>
+          <p:cNvPr id="20" name="Content Placeholder 3">
+            <a:extLst>
+              <a:ext uri="{FF2B5EF4-FFF2-40B4-BE49-F238E27FC236}">
+                <a16:creationId xmlns:a16="http://schemas.microsoft.com/office/drawing/2014/main" id="{76386ECC-44D1-4D37-AF78-36503EACC84D}"/>
+              </a:ext>
+              <a:ext uri="{C183D7F6-B498-43B3-948B-1728B52AA6E4}">
+                <adec:decorative xmlns:adec="http://schemas.microsoft.com/office/drawing/2017/decorative" val="1"/>
+              </a:ext>
+            </a:extLst>
+          </p:cNvPr>
+          <p:cNvGraphicFramePr>
+            <a:graphicFrameLocks noGrp="1"/>
+          </p:cNvGraphicFramePr>
+          <p:nvPr>
+            <p:ph sz="quarter" idx="14"/>
+            <p:extLst>
+              <p:ext uri="{D42A27DB-BD31-4B8C-83A1-F6EECF244321}">
+                <p14:modId xmlns:p14="http://schemas.microsoft.com/office/powerpoint/2010/main" val="4022429447"/>
+              </p:ext>
+            </p:extLst>
+          </p:nvPr>
+        </p:nvGraphicFramePr>
+        <p:xfrm>
+          <a:off x="646113" y="1560513"/>
+          <a:ext cx="10899775" cy="4341812"/>
+        </p:xfrm>
+        <a:graphic>
+          <a:graphicData uri="http://schemas.openxmlformats.org/drawingml/2006/diagram">
+            <dgm:relIds xmlns:dgm="http://schemas.openxmlformats.org/drawingml/2006/diagram" xmlns:r="http://schemas.openxmlformats.org/officeDocument/2006/relationships" r:dm="rId3" r:lo="rId4" r:qs="rId5" r:cs="rId6"/>
+          </a:graphicData>
+        </a:graphic>
+      </p:graphicFrame>
+    </p:spTree>
+    <p:extLst>
+      <p:ext uri="{BB962C8B-B14F-4D97-AF65-F5344CB8AC3E}">
+        <p14:creationId xmlns:p14="http://schemas.microsoft.com/office/powerpoint/2010/main" val="1474445007"/>
+      </p:ext>
+    </p:extLst>
+  </p:cSld>
+  <p:clrMapOvr>
+    <a:masterClrMapping/>
+  </p:clrMapOvr>
+</p:sld>
+</file>
+
+<file path=ppt/slides/slide20.xml><?xml version="1.0" encoding="utf-8"?>
+<p:sld xmlns:a="http://schemas.openxmlformats.org/drawingml/2006/main" xmlns:r="http://schemas.openxmlformats.org/officeDocument/2006/relationships" xmlns:p="http://schemas.openxmlformats.org/presentationml/2006/main">
+  <p:cSld>
+    <p:spTree>
+      <p:nvGrpSpPr>
+        <p:cNvPr id="1" name=""/>
+        <p:cNvGrpSpPr/>
+        <p:nvPr/>
+      </p:nvGrpSpPr>
+      <p:grpSpPr>
+        <a:xfrm>
+          <a:off x="0" y="0"/>
+          <a:ext cx="0" cy="0"/>
+          <a:chOff x="0" y="0"/>
+          <a:chExt cx="0" cy="0"/>
+        </a:xfrm>
+      </p:grpSpPr>
+      <p:sp>
+        <p:nvSpPr>
+          <p:cNvPr id="2" name="Title 1">
+            <a:extLst>
+              <a:ext uri="{FF2B5EF4-FFF2-40B4-BE49-F238E27FC236}">
+                <a16:creationId xmlns:a16="http://schemas.microsoft.com/office/drawing/2014/main" id="{577D56B1-994D-DAF7-0CE4-0E516F420032}"/>
+              </a:ext>
+            </a:extLst>
+          </p:cNvPr>
+          <p:cNvSpPr>
+            <a:spLocks noGrp="1"/>
+          </p:cNvSpPr>
+          <p:nvPr>
+            <p:ph type="title"/>
+          </p:nvPr>
+        </p:nvSpPr>
+        <p:spPr/>
+        <p:txBody>
+          <a:bodyPr>
+            <a:noAutofit/>
+          </a:bodyPr>
+          <a:lstStyle/>
+          <a:p>
+            <a:pPr algn="l"/>
+            <a:r>
+              <a:rPr lang="en-US" sz="5000" dirty="0"/>
+              <a:t>Recommendation 3</a:t>
+            </a:r>
+          </a:p>
+        </p:txBody>
+      </p:sp>
+      <p:sp>
+        <p:nvSpPr>
+          <p:cNvPr id="4" name="Text Placeholder 3">
+            <a:extLst>
+              <a:ext uri="{FF2B5EF4-FFF2-40B4-BE49-F238E27FC236}">
+                <a16:creationId xmlns:a16="http://schemas.microsoft.com/office/drawing/2014/main" id="{58680A47-B14E-0011-E594-CCCE0F143C6F}"/>
+              </a:ext>
+            </a:extLst>
+          </p:cNvPr>
+          <p:cNvSpPr>
+            <a:spLocks noGrp="1"/>
+          </p:cNvSpPr>
+          <p:nvPr>
+            <p:ph type="body" sz="quarter" idx="17"/>
+          </p:nvPr>
+        </p:nvSpPr>
+        <p:spPr/>
+        <p:txBody>
+          <a:bodyPr/>
+          <a:lstStyle/>
+          <a:p>
+            <a:r>
+              <a:rPr lang="en-US" dirty="0"/>
+              <a:t>dist_leadtime_cancel2.png</a:t>
+            </a:r>
+          </a:p>
+        </p:txBody>
+      </p:sp>
+      <p:sp>
+        <p:nvSpPr>
+          <p:cNvPr id="3" name="Text Placeholder 2">
+            <a:extLst>
+              <a:ext uri="{FF2B5EF4-FFF2-40B4-BE49-F238E27FC236}">
+                <a16:creationId xmlns:a16="http://schemas.microsoft.com/office/drawing/2014/main" id="{D517A8AD-5ACA-2C0D-9A66-689898F95BBE}"/>
+              </a:ext>
+            </a:extLst>
+          </p:cNvPr>
+          <p:cNvSpPr>
+            <a:spLocks noGrp="1"/>
+          </p:cNvSpPr>
+          <p:nvPr>
+            <p:ph type="body" sz="quarter" idx="18"/>
+          </p:nvPr>
+        </p:nvSpPr>
+        <p:spPr/>
+        <p:txBody>
+          <a:bodyPr/>
+          <a:lstStyle/>
+          <a:p>
+            <a:endParaRPr lang="en-US"/>
+          </a:p>
+        </p:txBody>
+      </p:sp>
+      <p:sp>
+        <p:nvSpPr>
+          <p:cNvPr id="5" name="Slide Number Placeholder 4">
+            <a:extLst>
+              <a:ext uri="{FF2B5EF4-FFF2-40B4-BE49-F238E27FC236}">
+                <a16:creationId xmlns:a16="http://schemas.microsoft.com/office/drawing/2014/main" id="{C9396A93-D20D-BFC9-8BD0-926D689C18A2}"/>
+              </a:ext>
+            </a:extLst>
+          </p:cNvPr>
+          <p:cNvSpPr>
+            <a:spLocks noGrp="1"/>
+          </p:cNvSpPr>
+          <p:nvPr>
+            <p:ph type="sldNum" sz="quarter" idx="12"/>
+          </p:nvPr>
+        </p:nvSpPr>
+        <p:spPr/>
+        <p:txBody>
+          <a:bodyPr/>
+          <a:lstStyle/>
+          <a:p>
+            <a:pPr marL="0" marR="0" lvl="0" indent="0" algn="r" defTabSz="914400" rtl="0" eaLnBrk="1" fontAlgn="auto" latinLnBrk="0" hangingPunct="1">
+              <a:lnSpc>
+                <a:spcPct val="100000"/>
+              </a:lnSpc>
+              <a:spcBef>
+                <a:spcPts val="0"/>
+              </a:spcBef>
+              <a:spcAft>
+                <a:spcPts val="0"/>
+              </a:spcAft>
+              <a:buClrTx/>
+              <a:buSzTx/>
+              <a:buFontTx/>
+              <a:buNone/>
+              <a:tabLst/>
+              <a:defRPr/>
+            </a:pPr>
+            <a:endParaRPr kumimoji="0" lang="en-US" sz="1050" b="0" i="0" u="none" strike="noStrike" kern="1200" cap="none" spc="0" normalizeH="0" baseline="0" noProof="0" dirty="0">
+              <a:ln>
+                <a:noFill/>
+              </a:ln>
+              <a:solidFill>
+                <a:prstClr val="black"/>
+              </a:solidFill>
+              <a:effectLst/>
+              <a:uLnTx/>
+              <a:uFillTx/>
+              <a:latin typeface="Avenir Next LT Pro"/>
+              <a:ea typeface="+mn-ea"/>
+              <a:cs typeface="+mn-cs"/>
+            </a:endParaRPr>
+          </a:p>
+        </p:txBody>
+      </p:sp>
+      <p:sp>
+        <p:nvSpPr>
+          <p:cNvPr id="10" name="Text Placeholder 9">
+            <a:extLst>
+              <a:ext uri="{FF2B5EF4-FFF2-40B4-BE49-F238E27FC236}">
+                <a16:creationId xmlns:a16="http://schemas.microsoft.com/office/drawing/2014/main" id="{F8F5B5E0-05EC-2655-AC8F-6E5825B21FA2}"/>
+              </a:ext>
+            </a:extLst>
+          </p:cNvPr>
+          <p:cNvSpPr>
+            <a:spLocks noGrp="1"/>
+          </p:cNvSpPr>
+          <p:nvPr>
+            <p:ph type="body" sz="quarter" idx="14"/>
+          </p:nvPr>
+        </p:nvSpPr>
+        <p:spPr/>
+        <p:txBody>
+          <a:bodyPr/>
+          <a:lstStyle/>
+          <a:p>
+            <a:endParaRPr lang="en-US" dirty="0"/>
+          </a:p>
+        </p:txBody>
+      </p:sp>
+      <p:sp>
+        <p:nvSpPr>
+          <p:cNvPr id="13" name="Text Placeholder 12">
+            <a:extLst>
+              <a:ext uri="{FF2B5EF4-FFF2-40B4-BE49-F238E27FC236}">
+                <a16:creationId xmlns:a16="http://schemas.microsoft.com/office/drawing/2014/main" id="{E44BF507-4FA7-FA9A-AD93-9F4BFE8BB0D7}"/>
+              </a:ext>
+            </a:extLst>
+          </p:cNvPr>
+          <p:cNvSpPr>
+            <a:spLocks noGrp="1"/>
+          </p:cNvSpPr>
+          <p:nvPr>
+            <p:ph type="body" sz="quarter" idx="16"/>
+          </p:nvPr>
+        </p:nvSpPr>
+        <p:spPr>
+          <a:xfrm>
+            <a:off x="6257467" y="1764030"/>
+            <a:ext cx="4756714" cy="3976369"/>
+          </a:xfrm>
+        </p:spPr>
+        <p:txBody>
+          <a:bodyPr>
+            <a:noAutofit/>
+          </a:bodyPr>
+          <a:lstStyle/>
+          <a:p>
+            <a:r>
+              <a:rPr lang="en-US" sz="5000" dirty="0"/>
+              <a:t>Price Your Rooms Just Before Steep Slope Increases.</a:t>
+            </a:r>
+          </a:p>
+          <a:p>
+            <a:endParaRPr lang="en-US" sz="3000" dirty="0"/>
+          </a:p>
+          <a:p>
+            <a:endParaRPr lang="en-US" sz="3000" dirty="0"/>
+          </a:p>
+          <a:p>
+            <a:endParaRPr lang="en-US" sz="3000" dirty="0"/>
+          </a:p>
+          <a:p>
+            <a:endParaRPr lang="en-US" sz="3000" dirty="0"/>
+          </a:p>
+        </p:txBody>
+      </p:sp>
+      <p:pic>
+        <p:nvPicPr>
+          <p:cNvPr id="16" name="Picture 15" descr="A picture containing chart&#10;&#10;Description automatically generated">
+            <a:extLst>
+              <a:ext uri="{FF2B5EF4-FFF2-40B4-BE49-F238E27FC236}">
+                <a16:creationId xmlns:a16="http://schemas.microsoft.com/office/drawing/2014/main" id="{CAA33367-F0BA-8921-FA49-837E04D5D77B}"/>
+              </a:ext>
+            </a:extLst>
+          </p:cNvPr>
+          <p:cNvPicPr>
+            <a:picLocks noChangeAspect="1"/>
+          </p:cNvPicPr>
+          <p:nvPr/>
+        </p:nvPicPr>
+        <p:blipFill>
+          <a:blip r:embed="rId2"/>
+          <a:stretch>
+            <a:fillRect/>
+          </a:stretch>
+        </p:blipFill>
+        <p:spPr>
+          <a:xfrm>
+            <a:off x="269712" y="1764030"/>
+            <a:ext cx="5842000" cy="4381500"/>
+          </a:xfrm>
+          <a:prstGeom prst="rect">
+            <a:avLst/>
+          </a:prstGeom>
+        </p:spPr>
+      </p:pic>
+    </p:spTree>
+    <p:extLst>
+      <p:ext uri="{BB962C8B-B14F-4D97-AF65-F5344CB8AC3E}">
+        <p14:creationId xmlns:p14="http://schemas.microsoft.com/office/powerpoint/2010/main" val="1006911970"/>
+      </p:ext>
+    </p:extLst>
+  </p:cSld>
+  <p:clrMapOvr>
+    <a:masterClrMapping/>
+  </p:clrMapOvr>
+</p:sld>
+</file>
+
+<file path=ppt/slides/slide21.xml><?xml version="1.0" encoding="utf-8"?>
+<p:sld xmlns:a="http://schemas.openxmlformats.org/drawingml/2006/main" xmlns:r="http://schemas.openxmlformats.org/officeDocument/2006/relationships" xmlns:p="http://schemas.openxmlformats.org/presentationml/2006/main">
+  <p:cSld>
+    <p:spTree>
+      <p:nvGrpSpPr>
+        <p:cNvPr id="1" name=""/>
+        <p:cNvGrpSpPr/>
+        <p:nvPr/>
+      </p:nvGrpSpPr>
+      <p:grpSpPr>
+        <a:xfrm>
+          <a:off x="0" y="0"/>
+          <a:ext cx="0" cy="0"/>
+          <a:chOff x="0" y="0"/>
+          <a:chExt cx="0" cy="0"/>
+        </a:xfrm>
+      </p:grpSpPr>
+      <p:sp>
+        <p:nvSpPr>
+          <p:cNvPr id="2" name="Title 1">
+            <a:extLst>
+              <a:ext uri="{FF2B5EF4-FFF2-40B4-BE49-F238E27FC236}">
+                <a16:creationId xmlns:a16="http://schemas.microsoft.com/office/drawing/2014/main" id="{577D56B1-994D-DAF7-0CE4-0E516F420032}"/>
+              </a:ext>
+            </a:extLst>
+          </p:cNvPr>
+          <p:cNvSpPr>
+            <a:spLocks noGrp="1"/>
+          </p:cNvSpPr>
+          <p:nvPr>
+            <p:ph type="title"/>
+          </p:nvPr>
+        </p:nvSpPr>
+        <p:spPr/>
+        <p:txBody>
+          <a:bodyPr>
+            <a:noAutofit/>
+          </a:bodyPr>
+          <a:lstStyle/>
+          <a:p>
+            <a:pPr algn="l"/>
+            <a:r>
+              <a:rPr lang="en-US" sz="5000" dirty="0"/>
+              <a:t>Discovery 1</a:t>
+            </a:r>
+          </a:p>
+        </p:txBody>
+      </p:sp>
+      <p:sp>
+        <p:nvSpPr>
+          <p:cNvPr id="21" name="Text Placeholder 20">
+            <a:extLst>
+              <a:ext uri="{FF2B5EF4-FFF2-40B4-BE49-F238E27FC236}">
+                <a16:creationId xmlns:a16="http://schemas.microsoft.com/office/drawing/2014/main" id="{BAFB4484-0ED8-E82E-8B1C-EEE0CF92BD52}"/>
+              </a:ext>
+            </a:extLst>
+          </p:cNvPr>
+          <p:cNvSpPr>
+            <a:spLocks noGrp="1"/>
+          </p:cNvSpPr>
+          <p:nvPr>
+            <p:ph type="body" sz="quarter" idx="14"/>
+          </p:nvPr>
+        </p:nvSpPr>
+        <p:spPr/>
+        <p:txBody>
+          <a:bodyPr/>
+          <a:lstStyle/>
+          <a:p>
+            <a:endParaRPr lang="en-US"/>
+          </a:p>
+        </p:txBody>
+      </p:sp>
+      <p:sp>
+        <p:nvSpPr>
+          <p:cNvPr id="22" name="Text Placeholder 21">
+            <a:extLst>
+              <a:ext uri="{FF2B5EF4-FFF2-40B4-BE49-F238E27FC236}">
+                <a16:creationId xmlns:a16="http://schemas.microsoft.com/office/drawing/2014/main" id="{DE58F710-7855-831F-6F7D-FB9E8D7B2F7C}"/>
+              </a:ext>
+            </a:extLst>
+          </p:cNvPr>
+          <p:cNvSpPr>
+            <a:spLocks noGrp="1"/>
+          </p:cNvSpPr>
+          <p:nvPr>
+            <p:ph type="body" sz="quarter" idx="17"/>
+          </p:nvPr>
+        </p:nvSpPr>
+        <p:spPr/>
+        <p:txBody>
+          <a:bodyPr/>
+          <a:lstStyle/>
+          <a:p>
+            <a:endParaRPr lang="en-US"/>
+          </a:p>
+        </p:txBody>
+      </p:sp>
+      <p:sp>
+        <p:nvSpPr>
+          <p:cNvPr id="13" name="Text Placeholder 12">
+            <a:extLst>
+              <a:ext uri="{FF2B5EF4-FFF2-40B4-BE49-F238E27FC236}">
+                <a16:creationId xmlns:a16="http://schemas.microsoft.com/office/drawing/2014/main" id="{E44BF507-4FA7-FA9A-AD93-9F4BFE8BB0D7}"/>
+              </a:ext>
+            </a:extLst>
+          </p:cNvPr>
+          <p:cNvSpPr>
+            <a:spLocks noGrp="1"/>
+          </p:cNvSpPr>
+          <p:nvPr>
+            <p:ph type="body" sz="quarter" idx="16"/>
+          </p:nvPr>
+        </p:nvSpPr>
+        <p:spPr/>
+        <p:txBody>
+          <a:bodyPr>
+            <a:noAutofit/>
+          </a:bodyPr>
+          <a:lstStyle/>
+          <a:p>
+            <a:r>
+              <a:rPr lang="en-US" sz="5000" dirty="0"/>
+              <a:t>Reservation made 5 months prior are recipe for cancellation.</a:t>
+            </a:r>
+          </a:p>
+          <a:p>
+            <a:endParaRPr lang="en-US" sz="3500" dirty="0"/>
+          </a:p>
+        </p:txBody>
+      </p:sp>
+      <p:sp>
+        <p:nvSpPr>
+          <p:cNvPr id="23" name="Text Placeholder 22">
+            <a:extLst>
+              <a:ext uri="{FF2B5EF4-FFF2-40B4-BE49-F238E27FC236}">
+                <a16:creationId xmlns:a16="http://schemas.microsoft.com/office/drawing/2014/main" id="{A7E75E06-E27D-08F7-F9A6-8FEF313D32AB}"/>
+              </a:ext>
+            </a:extLst>
+          </p:cNvPr>
+          <p:cNvSpPr>
+            <a:spLocks noGrp="1"/>
+          </p:cNvSpPr>
+          <p:nvPr>
+            <p:ph type="body" sz="quarter" idx="18"/>
+          </p:nvPr>
+        </p:nvSpPr>
+        <p:spPr/>
+        <p:txBody>
+          <a:bodyPr/>
+          <a:lstStyle/>
+          <a:p>
+            <a:endParaRPr lang="en-US" dirty="0"/>
+          </a:p>
+        </p:txBody>
+      </p:sp>
+      <p:pic>
+        <p:nvPicPr>
+          <p:cNvPr id="25" name="Picture 24" descr="Chart, histogram&#10;&#10;Description automatically generated">
+            <a:extLst>
+              <a:ext uri="{FF2B5EF4-FFF2-40B4-BE49-F238E27FC236}">
+                <a16:creationId xmlns:a16="http://schemas.microsoft.com/office/drawing/2014/main" id="{3B032566-1FB7-AC74-0CB6-CE34FB8E004F}"/>
+              </a:ext>
+            </a:extLst>
+          </p:cNvPr>
+          <p:cNvPicPr>
+            <a:picLocks noChangeAspect="1"/>
+          </p:cNvPicPr>
+          <p:nvPr/>
+        </p:nvPicPr>
+        <p:blipFill>
+          <a:blip r:embed="rId2"/>
+          <a:stretch>
+            <a:fillRect/>
+          </a:stretch>
+        </p:blipFill>
+        <p:spPr>
+          <a:xfrm>
+            <a:off x="254000" y="1764031"/>
+            <a:ext cx="5842000" cy="4381500"/>
+          </a:xfrm>
+          <a:prstGeom prst="rect">
+            <a:avLst/>
+          </a:prstGeom>
+        </p:spPr>
+      </p:pic>
+    </p:spTree>
+    <p:extLst>
+      <p:ext uri="{BB962C8B-B14F-4D97-AF65-F5344CB8AC3E}">
+        <p14:creationId xmlns:p14="http://schemas.microsoft.com/office/powerpoint/2010/main" val="3551458702"/>
+      </p:ext>
+    </p:extLst>
+  </p:cSld>
+  <p:clrMapOvr>
+    <a:masterClrMapping/>
+  </p:clrMapOvr>
+</p:sld>
+</file>
+
+<file path=ppt/slides/slide22.xml><?xml version="1.0" encoding="utf-8"?>
+<p:sld xmlns:a="http://schemas.openxmlformats.org/drawingml/2006/main" xmlns:r="http://schemas.openxmlformats.org/officeDocument/2006/relationships" xmlns:p="http://schemas.openxmlformats.org/presentationml/2006/main">
+  <p:cSld>
+    <p:spTree>
+      <p:nvGrpSpPr>
+        <p:cNvPr id="1" name=""/>
+        <p:cNvGrpSpPr/>
+        <p:nvPr/>
+      </p:nvGrpSpPr>
+      <p:grpSpPr>
+        <a:xfrm>
+          <a:off x="0" y="0"/>
+          <a:ext cx="0" cy="0"/>
+          <a:chOff x="0" y="0"/>
+          <a:chExt cx="0" cy="0"/>
+        </a:xfrm>
+      </p:grpSpPr>
+      <p:sp>
+        <p:nvSpPr>
+          <p:cNvPr id="2" name="Title 1">
+            <a:extLst>
+              <a:ext uri="{FF2B5EF4-FFF2-40B4-BE49-F238E27FC236}">
+                <a16:creationId xmlns:a16="http://schemas.microsoft.com/office/drawing/2014/main" id="{577D56B1-994D-DAF7-0CE4-0E516F420032}"/>
+              </a:ext>
+            </a:extLst>
+          </p:cNvPr>
+          <p:cNvSpPr>
+            <a:spLocks noGrp="1"/>
+          </p:cNvSpPr>
+          <p:nvPr>
+            <p:ph type="title"/>
+          </p:nvPr>
+        </p:nvSpPr>
+        <p:spPr/>
+        <p:txBody>
+          <a:bodyPr>
+            <a:noAutofit/>
+          </a:bodyPr>
+          <a:lstStyle/>
+          <a:p>
+            <a:pPr algn="l"/>
+            <a:r>
+              <a:rPr lang="en-US" sz="5000" dirty="0"/>
+              <a:t>Discovery 2</a:t>
+            </a:r>
+          </a:p>
+        </p:txBody>
+      </p:sp>
+      <p:sp>
+        <p:nvSpPr>
+          <p:cNvPr id="4" name="Text Placeholder 3">
+            <a:extLst>
+              <a:ext uri="{FF2B5EF4-FFF2-40B4-BE49-F238E27FC236}">
+                <a16:creationId xmlns:a16="http://schemas.microsoft.com/office/drawing/2014/main" id="{58680A47-B14E-0011-E594-CCCE0F143C6F}"/>
+              </a:ext>
+            </a:extLst>
+          </p:cNvPr>
+          <p:cNvSpPr>
+            <a:spLocks noGrp="1"/>
+          </p:cNvSpPr>
+          <p:nvPr>
+            <p:ph type="body" sz="quarter" idx="17"/>
+          </p:nvPr>
+        </p:nvSpPr>
+        <p:spPr/>
+        <p:txBody>
+          <a:bodyPr/>
+          <a:lstStyle/>
+          <a:p>
+            <a:r>
+              <a:rPr lang="en-US" dirty="0"/>
+              <a:t>dist_leadtime_cancel2.png</a:t>
+            </a:r>
+          </a:p>
+        </p:txBody>
+      </p:sp>
+      <p:sp>
+        <p:nvSpPr>
+          <p:cNvPr id="3" name="Text Placeholder 2">
+            <a:extLst>
+              <a:ext uri="{FF2B5EF4-FFF2-40B4-BE49-F238E27FC236}">
+                <a16:creationId xmlns:a16="http://schemas.microsoft.com/office/drawing/2014/main" id="{D517A8AD-5ACA-2C0D-9A66-689898F95BBE}"/>
+              </a:ext>
+            </a:extLst>
+          </p:cNvPr>
+          <p:cNvSpPr>
+            <a:spLocks noGrp="1"/>
+          </p:cNvSpPr>
+          <p:nvPr>
+            <p:ph type="body" sz="quarter" idx="18"/>
+          </p:nvPr>
+        </p:nvSpPr>
+        <p:spPr/>
+        <p:txBody>
+          <a:bodyPr/>
+          <a:lstStyle/>
+          <a:p>
+            <a:endParaRPr lang="en-US"/>
+          </a:p>
+        </p:txBody>
+      </p:sp>
+      <p:sp>
+        <p:nvSpPr>
+          <p:cNvPr id="10" name="Text Placeholder 9">
+            <a:extLst>
+              <a:ext uri="{FF2B5EF4-FFF2-40B4-BE49-F238E27FC236}">
+                <a16:creationId xmlns:a16="http://schemas.microsoft.com/office/drawing/2014/main" id="{F8F5B5E0-05EC-2655-AC8F-6E5825B21FA2}"/>
+              </a:ext>
+            </a:extLst>
+          </p:cNvPr>
+          <p:cNvSpPr>
+            <a:spLocks noGrp="1"/>
+          </p:cNvSpPr>
+          <p:nvPr>
+            <p:ph type="body" sz="quarter" idx="14"/>
+          </p:nvPr>
+        </p:nvSpPr>
+        <p:spPr/>
+        <p:txBody>
+          <a:bodyPr/>
+          <a:lstStyle/>
+          <a:p>
+            <a:endParaRPr lang="en-US" dirty="0"/>
+          </a:p>
+        </p:txBody>
+      </p:sp>
+      <p:sp>
+        <p:nvSpPr>
+          <p:cNvPr id="13" name="Text Placeholder 12">
+            <a:extLst>
+              <a:ext uri="{FF2B5EF4-FFF2-40B4-BE49-F238E27FC236}">
+                <a16:creationId xmlns:a16="http://schemas.microsoft.com/office/drawing/2014/main" id="{E44BF507-4FA7-FA9A-AD93-9F4BFE8BB0D7}"/>
+              </a:ext>
+            </a:extLst>
+          </p:cNvPr>
+          <p:cNvSpPr>
+            <a:spLocks noGrp="1"/>
+          </p:cNvSpPr>
+          <p:nvPr>
+            <p:ph type="body" sz="quarter" idx="16"/>
+          </p:nvPr>
+        </p:nvSpPr>
+        <p:spPr>
+          <a:xfrm>
+            <a:off x="6257467" y="1764030"/>
+            <a:ext cx="4756714" cy="3976369"/>
+          </a:xfrm>
+        </p:spPr>
+        <p:txBody>
+          <a:bodyPr>
+            <a:noAutofit/>
+          </a:bodyPr>
+          <a:lstStyle/>
+          <a:p>
+            <a:r>
+              <a:rPr lang="en-US" sz="5000" dirty="0"/>
+              <a:t>More Special Requests are better.</a:t>
+            </a:r>
+          </a:p>
+          <a:p>
+            <a:endParaRPr lang="en-US" sz="3000" dirty="0"/>
+          </a:p>
+          <a:p>
+            <a:endParaRPr lang="en-US" sz="3000" dirty="0"/>
+          </a:p>
+          <a:p>
+            <a:endParaRPr lang="en-US" sz="3000" dirty="0"/>
+          </a:p>
+          <a:p>
+            <a:endParaRPr lang="en-US" sz="3000" dirty="0"/>
+          </a:p>
+          <a:p>
+            <a:endParaRPr lang="en-US" sz="3000" dirty="0"/>
+          </a:p>
+        </p:txBody>
+      </p:sp>
+      <p:pic>
+        <p:nvPicPr>
+          <p:cNvPr id="7" name="Picture 6" descr="Chart, bar chart&#10;&#10;Description automatically generated">
+            <a:extLst>
+              <a:ext uri="{FF2B5EF4-FFF2-40B4-BE49-F238E27FC236}">
+                <a16:creationId xmlns:a16="http://schemas.microsoft.com/office/drawing/2014/main" id="{BF74CE10-F1E7-D1E5-5E9C-9185290477DE}"/>
+              </a:ext>
+            </a:extLst>
+          </p:cNvPr>
+          <p:cNvPicPr>
+            <a:picLocks noChangeAspect="1"/>
+          </p:cNvPicPr>
+          <p:nvPr/>
+        </p:nvPicPr>
+        <p:blipFill>
+          <a:blip r:embed="rId2"/>
+          <a:stretch>
+            <a:fillRect/>
+          </a:stretch>
+        </p:blipFill>
+        <p:spPr>
+          <a:xfrm>
+            <a:off x="425826" y="1764030"/>
+            <a:ext cx="5842000" cy="4381500"/>
+          </a:xfrm>
+          <a:prstGeom prst="rect">
+            <a:avLst/>
+          </a:prstGeom>
+        </p:spPr>
+      </p:pic>
+    </p:spTree>
+    <p:extLst>
+      <p:ext uri="{BB962C8B-B14F-4D97-AF65-F5344CB8AC3E}">
+        <p14:creationId xmlns:p14="http://schemas.microsoft.com/office/powerpoint/2010/main" val="1256888277"/>
+      </p:ext>
+    </p:extLst>
+  </p:cSld>
+  <p:clrMapOvr>
+    <a:masterClrMapping/>
+  </p:clrMapOvr>
+</p:sld>
+</file>
+
+<file path=ppt/slides/slide23.xml><?xml version="1.0" encoding="utf-8"?>
+<p:sld xmlns:a="http://schemas.openxmlformats.org/drawingml/2006/main" xmlns:r="http://schemas.openxmlformats.org/officeDocument/2006/relationships" xmlns:p="http://schemas.openxmlformats.org/presentationml/2006/main">
+  <p:cSld>
+    <p:spTree>
+      <p:nvGrpSpPr>
+        <p:cNvPr id="1" name=""/>
+        <p:cNvGrpSpPr/>
+        <p:nvPr/>
+      </p:nvGrpSpPr>
+      <p:grpSpPr>
+        <a:xfrm>
+          <a:off x="0" y="0"/>
+          <a:ext cx="0" cy="0"/>
+          <a:chOff x="0" y="0"/>
+          <a:chExt cx="0" cy="0"/>
+        </a:xfrm>
+      </p:grpSpPr>
+      <p:sp>
+        <p:nvSpPr>
+          <p:cNvPr id="2" name="Title 1">
+            <a:extLst>
+              <a:ext uri="{FF2B5EF4-FFF2-40B4-BE49-F238E27FC236}">
+                <a16:creationId xmlns:a16="http://schemas.microsoft.com/office/drawing/2014/main" id="{577D56B1-994D-DAF7-0CE4-0E516F420032}"/>
+              </a:ext>
+            </a:extLst>
+          </p:cNvPr>
+          <p:cNvSpPr>
+            <a:spLocks noGrp="1"/>
+          </p:cNvSpPr>
+          <p:nvPr>
+            <p:ph type="title"/>
+          </p:nvPr>
+        </p:nvSpPr>
+        <p:spPr/>
+        <p:txBody>
+          <a:bodyPr>
+            <a:noAutofit/>
+          </a:bodyPr>
+          <a:lstStyle/>
+          <a:p>
+            <a:pPr algn="l"/>
+            <a:r>
+              <a:rPr lang="en-US" sz="5000" dirty="0"/>
               <a:t>Next Steps</a:t>
             </a:r>
           </a:p>
@@ -23899,7 +24664,9 @@
         </p:nvSpPr>
         <p:spPr/>
         <p:txBody>
-          <a:bodyPr/>
+          <a:bodyPr>
+            <a:normAutofit/>
+          </a:bodyPr>
           <a:lstStyle/>
           <a:p>
             <a:r>
@@ -23924,21 +24691,20 @@
           <a:p>
             <a:r>
               <a:rPr lang="en-US" b="1" dirty="0"/>
-              <a:t>Collect more appointment info.</a:t>
+              <a:t>Collect more geographic info.</a:t>
             </a:r>
           </a:p>
           <a:p>
             <a:pPr lvl="1"/>
             <a:r>
               <a:rPr lang="en-US" b="1" dirty="0"/>
-              <a:t>Location of Appointment</a:t>
+              <a:t>Location at the time of making appointment</a:t>
             </a:r>
           </a:p>
           <a:p>
-            <a:pPr lvl="1"/>
             <a:r>
               <a:rPr lang="en-US" b="1" dirty="0"/>
-              <a:t>Time it took for appointment</a:t>
+              <a:t>Time it took for reservation.          (for online reservations)</a:t>
             </a:r>
           </a:p>
           <a:p>
@@ -24049,40 +24815,6 @@
               <a:tabLst/>
               <a:defRPr/>
             </a:pPr>
-            <a:fld id="{06B786C7-B8F9-4072-AAAA-17258464D730}" type="slidenum">
-              <a:rPr kumimoji="0" lang="en-US" sz="1050" b="0" i="0" u="none" strike="noStrike" kern="1200" cap="none" spc="0" normalizeH="0" baseline="0" noProof="0" smtClean="0">
-                <a:ln>
-                  <a:noFill/>
-                </a:ln>
-                <a:solidFill>
-                  <a:prstClr val="black"/>
-                </a:solidFill>
-                <a:effectLst/>
-                <a:uLnTx/>
-                <a:uFillTx/>
-                <a:latin typeface="Avenir Next LT Pro"/>
-                <a:ea typeface="+mn-ea"/>
-                <a:cs typeface="+mn-cs"/>
-              </a:rPr>
-              <a:pPr marL="0" marR="0" lvl="0" indent="0" algn="r" defTabSz="914400" rtl="0" eaLnBrk="1" fontAlgn="auto" latinLnBrk="0" hangingPunct="1">
-                <a:lnSpc>
-                  <a:spcPct val="100000"/>
-                </a:lnSpc>
-                <a:spcBef>
-                  <a:spcPts val="0"/>
-                </a:spcBef>
-                <a:spcAft>
-                  <a:spcPts val="0"/>
-                </a:spcAft>
-                <a:buClrTx/>
-                <a:buSzTx/>
-                <a:buFontTx/>
-                <a:buNone/>
-                <a:tabLst/>
-                <a:defRPr/>
-              </a:pPr>
-              <a:t>18</a:t>
-            </a:fld>
             <a:endParaRPr kumimoji="0" lang="en-US" sz="1050" b="0" i="0" u="none" strike="noStrike" kern="1200" cap="none" spc="0" normalizeH="0" baseline="0" noProof="0" dirty="0">
               <a:ln>
                 <a:noFill/>
@@ -24113,7 +24845,7 @@
 </p:sld>
 </file>
 
-<file path=ppt/slides/slide19.xml><?xml version="1.0" encoding="utf-8"?>
+<file path=ppt/slides/slide24.xml><?xml version="1.0" encoding="utf-8"?>
 <p:sld xmlns:a="http://schemas.openxmlformats.org/drawingml/2006/main" xmlns:r="http://schemas.openxmlformats.org/officeDocument/2006/relationships" xmlns:p="http://schemas.openxmlformats.org/presentationml/2006/main">
   <p:cSld>
     <p:bg>
@@ -24374,6 +25106,26 @@
                 <a:spcPct val="90000"/>
               </a:lnSpc>
             </a:pPr>
+            <a:br>
+              <a:rPr lang="en-US" sz="8800" b="1" kern="1200" spc="-40" baseline="0" dirty="0">
+                <a:solidFill>
+                  <a:srgbClr val="FFFFFF"/>
+                </a:solidFill>
+                <a:latin typeface="+mj-lt"/>
+                <a:ea typeface="+mj-ea"/>
+                <a:cs typeface="+mj-cs"/>
+              </a:rPr>
+            </a:br>
+            <a:br>
+              <a:rPr lang="en-US" sz="8800" b="1" kern="1200" spc="-40" baseline="0" dirty="0">
+                <a:solidFill>
+                  <a:srgbClr val="FFFFFF"/>
+                </a:solidFill>
+                <a:latin typeface="+mj-lt"/>
+                <a:ea typeface="+mj-ea"/>
+                <a:cs typeface="+mj-cs"/>
+              </a:rPr>
+            </a:br>
             <a:r>
               <a:rPr lang="en-US" sz="8800" b="1" kern="1200" spc="-40" baseline="0" dirty="0">
                 <a:solidFill>
@@ -24461,35 +25213,7 @@
               <a:tabLst/>
               <a:defRPr/>
             </a:pPr>
-            <a:fld id="{06B786C7-B8F9-4072-AAAA-17258464D730}" type="slidenum">
-              <a:rPr kumimoji="0" lang="en-US" b="0" i="0" u="none" strike="noStrike" cap="none" spc="0" normalizeH="0" baseline="0" noProof="0">
-                <a:ln>
-                  <a:noFill/>
-                </a:ln>
-                <a:solidFill>
-                  <a:srgbClr val="FFFFFF"/>
-                </a:solidFill>
-                <a:effectLst/>
-                <a:uLnTx/>
-                <a:uFillTx/>
-              </a:rPr>
-              <a:pPr marR="0" lvl="0" indent="0" fontAlgn="auto">
-                <a:spcBef>
-                  <a:spcPts val="0"/>
-                </a:spcBef>
-                <a:spcAft>
-                  <a:spcPts val="600"/>
-                </a:spcAft>
-                <a:buClrTx/>
-                <a:buSzTx/>
-                <a:buFontTx/>
-                <a:buNone/>
-                <a:tabLst/>
-                <a:defRPr/>
-              </a:pPr>
-              <a:t>19</a:t>
-            </a:fld>
-            <a:endParaRPr kumimoji="0" lang="en-US" b="0" i="0" u="none" strike="noStrike" cap="none" spc="0" normalizeH="0" baseline="0" noProof="0">
+            <a:endParaRPr kumimoji="0" lang="en-US" b="0" i="0" u="none" strike="noStrike" cap="none" spc="0" normalizeH="0" baseline="0" noProof="0" dirty="0">
               <a:ln>
                 <a:noFill/>
               </a:ln>
@@ -24500,6 +25224,62 @@
               <a:uLnTx/>
               <a:uFillTx/>
             </a:endParaRPr>
+          </a:p>
+        </p:txBody>
+      </p:sp>
+      <p:sp>
+        <p:nvSpPr>
+          <p:cNvPr id="6" name="Cloud Callout 5">
+            <a:extLst>
+              <a:ext uri="{FF2B5EF4-FFF2-40B4-BE49-F238E27FC236}">
+                <a16:creationId xmlns:a16="http://schemas.microsoft.com/office/drawing/2014/main" id="{D8C52F9B-03A1-A2A8-0241-8E80C9DFB426}"/>
+              </a:ext>
+            </a:extLst>
+          </p:cNvPr>
+          <p:cNvSpPr/>
+          <p:nvPr/>
+        </p:nvSpPr>
+        <p:spPr>
+          <a:xfrm flipH="1">
+            <a:off x="6710765" y="263471"/>
+            <a:ext cx="2964697" cy="1782305"/>
+          </a:xfrm>
+          <a:prstGeom prst="cloudCallout">
+            <a:avLst/>
+          </a:prstGeom>
+          <a:solidFill>
+            <a:schemeClr val="bg1"/>
+          </a:solidFill>
+        </p:spPr>
+        <p:style>
+          <a:lnRef idx="2">
+            <a:schemeClr val="accent1">
+              <a:shade val="50000"/>
+            </a:schemeClr>
+          </a:lnRef>
+          <a:fillRef idx="1">
+            <a:schemeClr val="accent1"/>
+          </a:fillRef>
+          <a:effectRef idx="0">
+            <a:schemeClr val="accent1"/>
+          </a:effectRef>
+          <a:fontRef idx="minor">
+            <a:schemeClr val="lt1"/>
+          </a:fontRef>
+        </p:style>
+        <p:txBody>
+          <a:bodyPr rtlCol="0" anchor="ctr"/>
+          <a:lstStyle/>
+          <a:p>
+            <a:pPr algn="ctr"/>
+            <a:r>
+              <a:rPr lang="en-US" b="1" dirty="0">
+                <a:solidFill>
+                  <a:schemeClr val="tx1"/>
+                </a:solidFill>
+              </a:rPr>
+              <a:t>Who took my laser toy?</a:t>
+            </a:r>
           </a:p>
         </p:txBody>
       </p:sp>
@@ -24516,106 +25296,7 @@
 </p:sld>
 </file>
 
-<file path=ppt/slides/slide2.xml><?xml version="1.0" encoding="utf-8"?>
-<p:sld xmlns:a="http://schemas.openxmlformats.org/drawingml/2006/main" xmlns:r="http://schemas.openxmlformats.org/officeDocument/2006/relationships" xmlns:p="http://schemas.openxmlformats.org/presentationml/2006/main">
-  <p:cSld>
-    <p:spTree>
-      <p:nvGrpSpPr>
-        <p:cNvPr id="1" name=""/>
-        <p:cNvGrpSpPr/>
-        <p:nvPr/>
-      </p:nvGrpSpPr>
-      <p:grpSpPr>
-        <a:xfrm>
-          <a:off x="0" y="0"/>
-          <a:ext cx="0" cy="0"/>
-          <a:chOff x="0" y="0"/>
-          <a:chExt cx="0" cy="0"/>
-        </a:xfrm>
-      </p:grpSpPr>
-      <p:sp>
-        <p:nvSpPr>
-          <p:cNvPr id="25" name="Title 24">
-            <a:extLst>
-              <a:ext uri="{FF2B5EF4-FFF2-40B4-BE49-F238E27FC236}">
-                <a16:creationId xmlns:a16="http://schemas.microsoft.com/office/drawing/2014/main" id="{330F6403-11BB-440A-81D1-11DAFA7ABF5D}"/>
-              </a:ext>
-            </a:extLst>
-          </p:cNvPr>
-          <p:cNvSpPr>
-            <a:spLocks noGrp="1"/>
-          </p:cNvSpPr>
-          <p:nvPr>
-            <p:ph type="title"/>
-          </p:nvPr>
-        </p:nvSpPr>
-        <p:spPr>
-          <a:xfrm>
-            <a:off x="1000759" y="194783"/>
-            <a:ext cx="10022841" cy="760892"/>
-          </a:xfrm>
-        </p:spPr>
-        <p:txBody>
-          <a:bodyPr>
-            <a:noAutofit/>
-          </a:bodyPr>
-          <a:lstStyle/>
-          <a:p>
-            <a:r>
-              <a:rPr lang="en-US" sz="5000" dirty="0"/>
-              <a:t>Outline</a:t>
-            </a:r>
-          </a:p>
-        </p:txBody>
-      </p:sp>
-      <p:graphicFrame>
-        <p:nvGraphicFramePr>
-          <p:cNvPr id="20" name="Content Placeholder 3">
-            <a:extLst>
-              <a:ext uri="{FF2B5EF4-FFF2-40B4-BE49-F238E27FC236}">
-                <a16:creationId xmlns:a16="http://schemas.microsoft.com/office/drawing/2014/main" id="{76386ECC-44D1-4D37-AF78-36503EACC84D}"/>
-              </a:ext>
-              <a:ext uri="{C183D7F6-B498-43B3-948B-1728B52AA6E4}">
-                <adec:decorative xmlns:adec="http://schemas.microsoft.com/office/drawing/2017/decorative" val="1"/>
-              </a:ext>
-            </a:extLst>
-          </p:cNvPr>
-          <p:cNvGraphicFramePr>
-            <a:graphicFrameLocks noGrp="1"/>
-          </p:cNvGraphicFramePr>
-          <p:nvPr>
-            <p:ph sz="quarter" idx="14"/>
-            <p:extLst>
-              <p:ext uri="{D42A27DB-BD31-4B8C-83A1-F6EECF244321}">
-                <p14:modId xmlns:p14="http://schemas.microsoft.com/office/powerpoint/2010/main" val="694904695"/>
-              </p:ext>
-            </p:extLst>
-          </p:nvPr>
-        </p:nvGraphicFramePr>
-        <p:xfrm>
-          <a:off x="646113" y="1560513"/>
-          <a:ext cx="10899775" cy="4341812"/>
-        </p:xfrm>
-        <a:graphic>
-          <a:graphicData uri="http://schemas.openxmlformats.org/drawingml/2006/diagram">
-            <dgm:relIds xmlns:dgm="http://schemas.openxmlformats.org/drawingml/2006/diagram" xmlns:r="http://schemas.openxmlformats.org/officeDocument/2006/relationships" r:dm="rId3" r:lo="rId4" r:qs="rId5" r:cs="rId6"/>
-          </a:graphicData>
-        </a:graphic>
-      </p:graphicFrame>
-    </p:spTree>
-    <p:extLst>
-      <p:ext uri="{BB962C8B-B14F-4D97-AF65-F5344CB8AC3E}">
-        <p14:creationId xmlns:p14="http://schemas.microsoft.com/office/powerpoint/2010/main" val="1474445007"/>
-      </p:ext>
-    </p:extLst>
-  </p:cSld>
-  <p:clrMapOvr>
-    <a:masterClrMapping/>
-  </p:clrMapOvr>
-</p:sld>
-</file>
-
-<file path=ppt/slides/slide20.xml><?xml version="1.0" encoding="utf-8"?>
+<file path=ppt/slides/slide25.xml><?xml version="1.0" encoding="utf-8"?>
 <p:sld xmlns:a="http://schemas.openxmlformats.org/drawingml/2006/main" xmlns:r="http://schemas.openxmlformats.org/officeDocument/2006/relationships" xmlns:p="http://schemas.openxmlformats.org/presentationml/2006/main">
   <p:cSld>
     <p:spTree>
@@ -24698,6 +25379,16 @@
             <a:r>
               <a:rPr lang="en-US" b="1" dirty="0"/>
               <a:t>Please check out my other data science projects!</a:t>
+            </a:r>
+          </a:p>
+          <a:p>
+            <a:pPr marL="342900" indent="-342900">
+              <a:buFont typeface="Arial" panose="020B0604020202020204" pitchFamily="34" charset="0"/>
+              <a:buChar char="•"/>
+            </a:pPr>
+            <a:r>
+              <a:rPr lang="en-US" b="1" dirty="0"/>
+              <a:t>Please click below for hyperlinks</a:t>
             </a:r>
           </a:p>
         </p:txBody>
@@ -24818,42 +25509,6 @@
           </a:xfrm>
         </p:spPr>
       </p:pic>
-      <p:sp>
-        <p:nvSpPr>
-          <p:cNvPr id="17" name="Slide Number Placeholder 16">
-            <a:extLst>
-              <a:ext uri="{FF2B5EF4-FFF2-40B4-BE49-F238E27FC236}">
-                <a16:creationId xmlns:a16="http://schemas.microsoft.com/office/drawing/2014/main" id="{3F88522D-FC32-4BD0-B916-ED439025B734}"/>
-              </a:ext>
-            </a:extLst>
-          </p:cNvPr>
-          <p:cNvSpPr>
-            <a:spLocks noGrp="1"/>
-          </p:cNvSpPr>
-          <p:nvPr>
-            <p:ph type="sldNum" sz="quarter" idx="12"/>
-          </p:nvPr>
-        </p:nvSpPr>
-        <p:spPr>
-          <a:xfrm>
-            <a:off x="11365992" y="6356350"/>
-            <a:ext cx="630936" cy="365125"/>
-          </a:xfrm>
-        </p:spPr>
-        <p:txBody>
-          <a:bodyPr/>
-          <a:lstStyle/>
-          <a:p>
-            <a:pPr lvl="0"/>
-            <a:fld id="{D39F39FF-F5CB-4ACA-9B46-4CCF89ECA75F}" type="slidenum">
-              <a:rPr lang="en-US" noProof="0" smtClean="0"/>
-              <a:pPr lvl="0"/>
-              <a:t>20</a:t>
-            </a:fld>
-            <a:endParaRPr lang="en-US" noProof="0" dirty="0"/>
-          </a:p>
-        </p:txBody>
-      </p:sp>
     </p:spTree>
     <p:extLst>
       <p:ext uri="{BB962C8B-B14F-4D97-AF65-F5344CB8AC3E}">
@@ -26261,8 +26916,8 @@
         </p:nvSpPr>
         <p:spPr>
           <a:xfrm>
-            <a:off x="2351931" y="2321405"/>
-            <a:ext cx="3257132" cy="1804546"/>
+            <a:off x="2351931" y="1859797"/>
+            <a:ext cx="3257132" cy="2266154"/>
           </a:xfrm>
           <a:prstGeom prst="flowChartAlternateProcess">
             <a:avLst/>
@@ -26304,18 +26959,29 @@
                   <a:schemeClr val="tx1"/>
                 </a:solidFill>
               </a:rPr>
-              <a:t>HIGH Precision</a:t>
+              <a:t>Want:</a:t>
             </a:r>
           </a:p>
           <a:p>
             <a:pPr algn="ctr"/>
             <a:r>
-              <a:rPr lang="en-US" sz="3000" b="1">
+              <a:rPr lang="en-US" sz="3000" b="1" dirty="0">
                 <a:solidFill>
                   <a:schemeClr val="tx1"/>
                 </a:solidFill>
               </a:rPr>
-              <a:t>Low Error</a:t>
+              <a:t>HIGH Precision</a:t>
+            </a:r>
+          </a:p>
+          <a:p>
+            <a:pPr algn="ctr"/>
+            <a:r>
+              <a:rPr lang="en-US" sz="3000" b="1" dirty="0">
+                <a:solidFill>
+                  <a:schemeClr val="tx1"/>
+                </a:solidFill>
+              </a:rPr>
+              <a:t>Lower Mistake</a:t>
             </a:r>
             <a:endParaRPr lang="en-US" b="1" dirty="0">
               <a:solidFill>
